--- a/Documentação/desenho-de-solucao.pptx
+++ b/Documentação/desenho-de-solucao.pptx
@@ -2,11 +2,13 @@
 <file path=ppt/presentation.xml><?xml version="1.0" encoding="utf-8"?>
 <p:presentation xmlns:a="http://schemas.openxmlformats.org/drawingml/2006/main" xmlns:r="http://schemas.openxmlformats.org/officeDocument/2006/relationships" xmlns:p="http://schemas.openxmlformats.org/presentationml/2006/main" saveSubsetFonts="1">
   <p:sldMasterIdLst>
-    <p:sldMasterId id="2147483648" r:id="rId1"/>
+    <p:sldMasterId id="2147483660" r:id="rId1"/>
+    <p:sldMasterId id="2147483648" r:id="rId2"/>
   </p:sldMasterIdLst>
   <p:sldIdLst>
-    <p:sldId id="275" r:id="rId2"/>
-    <p:sldId id="276" r:id="rId3"/>
+    <p:sldId id="275" r:id="rId3"/>
+    <p:sldId id="276" r:id="rId4"/>
+    <p:sldId id="278" r:id="rId5"/>
   </p:sldIdLst>
   <p:sldSz cx="12192000" cy="6858000"/>
   <p:notesSz cx="6858000" cy="9144000"/>
@@ -116,13 +118,310 @@
 <file path=ppt/revisionInfo.xml><?xml version="1.0" encoding="utf-8"?>
 <p1510:revInfo xmlns:a="http://schemas.openxmlformats.org/drawingml/2006/main" xmlns:r="http://schemas.openxmlformats.org/officeDocument/2006/relationships" xmlns:p1510="http://schemas.microsoft.com/office/powerpoint/2015/10/main">
   <p1510:revLst>
-    <p1510:client id="{C292B640-20A5-46AD-ADF0-A87663E3B36B}" v="42" dt="2020-10-13T01:48:58.064"/>
+    <p1510:client id="{45A0D7EB-6946-4EF5-A9E3-7A3D929C0A90}" v="25" dt="2020-10-14T23:23:13.582"/>
   </p1510:revLst>
 </p1510:revInfo>
 </file>
 
 <file path=ppt/changesInfos/changesInfo1.xml><?xml version="1.0" encoding="utf-8"?>
 <pc:chgInfo xmlns:a="http://schemas.openxmlformats.org/drawingml/2006/main" xmlns:r="http://schemas.openxmlformats.org/officeDocument/2006/relationships" xmlns:ac="http://schemas.microsoft.com/office/drawing/2013/main/command" xmlns:pc="http://schemas.microsoft.com/office/powerpoint/2013/main/command">
+  <pc:docChgLst>
+    <pc:chgData name="Nicholas Forte" userId="831f5f1da6d5c7f7" providerId="LiveId" clId="{45A0D7EB-6946-4EF5-A9E3-7A3D929C0A90}"/>
+    <pc:docChg chg="undo custSel mod addSld delSld modSld addMainMaster delMainMaster modMainMaster">
+      <pc:chgData name="Nicholas Forte" userId="831f5f1da6d5c7f7" providerId="LiveId" clId="{45A0D7EB-6946-4EF5-A9E3-7A3D929C0A90}" dt="2020-10-14T23:26:25.813" v="88" actId="2696"/>
+      <pc:docMkLst>
+        <pc:docMk/>
+      </pc:docMkLst>
+      <pc:sldChg chg="addSp delSp modSp mod">
+        <pc:chgData name="Nicholas Forte" userId="831f5f1da6d5c7f7" providerId="LiveId" clId="{45A0D7EB-6946-4EF5-A9E3-7A3D929C0A90}" dt="2020-10-14T23:22:54.005" v="68" actId="478"/>
+        <pc:sldMkLst>
+          <pc:docMk/>
+          <pc:sldMk cId="1658985439" sldId="276"/>
+        </pc:sldMkLst>
+        <pc:spChg chg="mod">
+          <ac:chgData name="Nicholas Forte" userId="831f5f1da6d5c7f7" providerId="LiveId" clId="{45A0D7EB-6946-4EF5-A9E3-7A3D929C0A90}" dt="2020-10-14T03:24:09.963" v="52" actId="20577"/>
+          <ac:spMkLst>
+            <pc:docMk/>
+            <pc:sldMk cId="1658985439" sldId="276"/>
+            <ac:spMk id="28" creationId="{F68306BA-7625-483B-AA2B-E0CD4EED2824}"/>
+          </ac:spMkLst>
+        </pc:spChg>
+        <pc:spChg chg="mod">
+          <ac:chgData name="Nicholas Forte" userId="831f5f1da6d5c7f7" providerId="LiveId" clId="{45A0D7EB-6946-4EF5-A9E3-7A3D929C0A90}" dt="2020-10-14T03:23:57.738" v="37" actId="20577"/>
+          <ac:spMkLst>
+            <pc:docMk/>
+            <pc:sldMk cId="1658985439" sldId="276"/>
+            <ac:spMk id="40" creationId="{ADB0B038-3691-44F7-AEA8-CA7523E219B5}"/>
+          </ac:spMkLst>
+        </pc:spChg>
+        <pc:graphicFrameChg chg="add del mod">
+          <ac:chgData name="Nicholas Forte" userId="831f5f1da6d5c7f7" providerId="LiveId" clId="{45A0D7EB-6946-4EF5-A9E3-7A3D929C0A90}" dt="2020-10-14T23:22:54.005" v="68" actId="478"/>
+          <ac:graphicFrameMkLst>
+            <pc:docMk/>
+            <pc:sldMk cId="1658985439" sldId="276"/>
+            <ac:graphicFrameMk id="3" creationId="{2D9509AD-BFE6-4E3C-BDE0-CC630D4521C4}"/>
+          </ac:graphicFrameMkLst>
+        </pc:graphicFrameChg>
+      </pc:sldChg>
+      <pc:sldChg chg="addSp delSp modSp new del mod setBg">
+        <pc:chgData name="Nicholas Forte" userId="831f5f1da6d5c7f7" providerId="LiveId" clId="{45A0D7EB-6946-4EF5-A9E3-7A3D929C0A90}" dt="2020-10-14T23:22:22.802" v="60" actId="2696"/>
+        <pc:sldMkLst>
+          <pc:docMk/>
+          <pc:sldMk cId="1893231326" sldId="277"/>
+        </pc:sldMkLst>
+        <pc:spChg chg="del">
+          <ac:chgData name="Nicholas Forte" userId="831f5f1da6d5c7f7" providerId="LiveId" clId="{45A0D7EB-6946-4EF5-A9E3-7A3D929C0A90}" dt="2020-10-14T03:18:17.119" v="1" actId="478"/>
+          <ac:spMkLst>
+            <pc:docMk/>
+            <pc:sldMk cId="1893231326" sldId="277"/>
+            <ac:spMk id="2" creationId="{7061E3C7-CAB7-4D08-9B3C-A05A3F73D7B4}"/>
+          </ac:spMkLst>
+        </pc:spChg>
+        <pc:spChg chg="del">
+          <ac:chgData name="Nicholas Forte" userId="831f5f1da6d5c7f7" providerId="LiveId" clId="{45A0D7EB-6946-4EF5-A9E3-7A3D929C0A90}" dt="2020-10-14T03:18:18.728" v="2" actId="478"/>
+          <ac:spMkLst>
+            <pc:docMk/>
+            <pc:sldMk cId="1893231326" sldId="277"/>
+            <ac:spMk id="3" creationId="{3C54A7AD-4711-40C0-9CB2-2E769D1446AA}"/>
+          </ac:spMkLst>
+        </pc:spChg>
+        <pc:spChg chg="add mod">
+          <ac:chgData name="Nicholas Forte" userId="831f5f1da6d5c7f7" providerId="LiveId" clId="{45A0D7EB-6946-4EF5-A9E3-7A3D929C0A90}" dt="2020-10-14T03:24:21.026" v="54" actId="26606"/>
+          <ac:spMkLst>
+            <pc:docMk/>
+            <pc:sldMk cId="1893231326" sldId="277"/>
+            <ac:spMk id="4" creationId="{EB01AEDD-03BD-4011-B8BE-016C7584E4A1}"/>
+          </ac:spMkLst>
+        </pc:spChg>
+        <pc:spChg chg="add mod">
+          <ac:chgData name="Nicholas Forte" userId="831f5f1da6d5c7f7" providerId="LiveId" clId="{45A0D7EB-6946-4EF5-A9E3-7A3D929C0A90}" dt="2020-10-14T03:24:40.654" v="58" actId="207"/>
+          <ac:spMkLst>
+            <pc:docMk/>
+            <pc:sldMk cId="1893231326" sldId="277"/>
+            <ac:spMk id="5" creationId="{3C01D414-E860-4408-BD5D-CBE8E9836D5F}"/>
+          </ac:spMkLst>
+        </pc:spChg>
+        <pc:spChg chg="add del">
+          <ac:chgData name="Nicholas Forte" userId="831f5f1da6d5c7f7" providerId="LiveId" clId="{45A0D7EB-6946-4EF5-A9E3-7A3D929C0A90}" dt="2020-10-14T03:24:21.026" v="54" actId="26606"/>
+          <ac:spMkLst>
+            <pc:docMk/>
+            <pc:sldMk cId="1893231326" sldId="277"/>
+            <ac:spMk id="73" creationId="{07322A9E-F1EC-405E-8971-BA906EFFCCB8}"/>
+          </ac:spMkLst>
+        </pc:spChg>
+        <pc:spChg chg="add del">
+          <ac:chgData name="Nicholas Forte" userId="831f5f1da6d5c7f7" providerId="LiveId" clId="{45A0D7EB-6946-4EF5-A9E3-7A3D929C0A90}" dt="2020-10-14T03:24:21.026" v="54" actId="26606"/>
+          <ac:spMkLst>
+            <pc:docMk/>
+            <pc:sldMk cId="1893231326" sldId="277"/>
+            <ac:spMk id="75" creationId="{A5704422-1118-4FD1-95AD-29A064EB80D9}"/>
+          </ac:spMkLst>
+        </pc:spChg>
+        <pc:spChg chg="add del">
+          <ac:chgData name="Nicholas Forte" userId="831f5f1da6d5c7f7" providerId="LiveId" clId="{45A0D7EB-6946-4EF5-A9E3-7A3D929C0A90}" dt="2020-10-14T03:24:21.026" v="54" actId="26606"/>
+          <ac:spMkLst>
+            <pc:docMk/>
+            <pc:sldMk cId="1893231326" sldId="277"/>
+            <ac:spMk id="77" creationId="{A88B2AAA-B805-498E-A9E6-98B885855498}"/>
+          </ac:spMkLst>
+        </pc:spChg>
+        <pc:spChg chg="add del">
+          <ac:chgData name="Nicholas Forte" userId="831f5f1da6d5c7f7" providerId="LiveId" clId="{45A0D7EB-6946-4EF5-A9E3-7A3D929C0A90}" dt="2020-10-14T03:24:21.026" v="54" actId="26606"/>
+          <ac:spMkLst>
+            <pc:docMk/>
+            <pc:sldMk cId="1893231326" sldId="277"/>
+            <ac:spMk id="79" creationId="{9B8051E0-19D7-43E1-BFD9-E6DBFEB3A3F1}"/>
+          </ac:spMkLst>
+        </pc:spChg>
+        <pc:spChg chg="add del">
+          <ac:chgData name="Nicholas Forte" userId="831f5f1da6d5c7f7" providerId="LiveId" clId="{45A0D7EB-6946-4EF5-A9E3-7A3D929C0A90}" dt="2020-10-14T03:24:21.026" v="54" actId="26606"/>
+          <ac:spMkLst>
+            <pc:docMk/>
+            <pc:sldMk cId="1893231326" sldId="277"/>
+            <ac:spMk id="81" creationId="{4EDB2B02-86A2-46F5-A4BE-B7D9B10411D6}"/>
+          </ac:spMkLst>
+        </pc:spChg>
+        <pc:spChg chg="add del">
+          <ac:chgData name="Nicholas Forte" userId="831f5f1da6d5c7f7" providerId="LiveId" clId="{45A0D7EB-6946-4EF5-A9E3-7A3D929C0A90}" dt="2020-10-14T03:24:21.026" v="54" actId="26606"/>
+          <ac:spMkLst>
+            <pc:docMk/>
+            <pc:sldMk cId="1893231326" sldId="277"/>
+            <ac:spMk id="83" creationId="{43954639-FB5D-41F4-9560-6F6DFE778425}"/>
+          </ac:spMkLst>
+        </pc:spChg>
+        <pc:spChg chg="add del">
+          <ac:chgData name="Nicholas Forte" userId="831f5f1da6d5c7f7" providerId="LiveId" clId="{45A0D7EB-6946-4EF5-A9E3-7A3D929C0A90}" dt="2020-10-14T03:24:21.026" v="54" actId="26606"/>
+          <ac:spMkLst>
+            <pc:docMk/>
+            <pc:sldMk cId="1893231326" sldId="277"/>
+            <ac:spMk id="85" creationId="{E898931C-0323-41FA-A036-20F818B1FF81}"/>
+          </ac:spMkLst>
+        </pc:spChg>
+        <pc:spChg chg="add del">
+          <ac:chgData name="Nicholas Forte" userId="831f5f1da6d5c7f7" providerId="LiveId" clId="{45A0D7EB-6946-4EF5-A9E3-7A3D929C0A90}" dt="2020-10-14T03:24:21.026" v="54" actId="26606"/>
+          <ac:spMkLst>
+            <pc:docMk/>
+            <pc:sldMk cId="1893231326" sldId="277"/>
+            <ac:spMk id="87" creationId="{89AFE9DD-0792-4B98-B4EB-97ACA17E6AA8}"/>
+          </ac:spMkLst>
+        </pc:spChg>
+        <pc:spChg chg="add del">
+          <ac:chgData name="Nicholas Forte" userId="831f5f1da6d5c7f7" providerId="LiveId" clId="{45A0D7EB-6946-4EF5-A9E3-7A3D929C0A90}" dt="2020-10-14T03:24:21.026" v="54" actId="26606"/>
+          <ac:spMkLst>
+            <pc:docMk/>
+            <pc:sldMk cId="1893231326" sldId="277"/>
+            <ac:spMk id="89" creationId="{3981F5C4-9AE1-404E-AF44-A4E6DB374F9D}"/>
+          </ac:spMkLst>
+        </pc:spChg>
+        <pc:spChg chg="add del">
+          <ac:chgData name="Nicholas Forte" userId="831f5f1da6d5c7f7" providerId="LiveId" clId="{45A0D7EB-6946-4EF5-A9E3-7A3D929C0A90}" dt="2020-10-14T03:24:21.026" v="54" actId="26606"/>
+          <ac:spMkLst>
+            <pc:docMk/>
+            <pc:sldMk cId="1893231326" sldId="277"/>
+            <ac:spMk id="91" creationId="{763C1781-8726-4FAC-8C45-FF40376BE409}"/>
+          </ac:spMkLst>
+        </pc:spChg>
+        <pc:spChg chg="add del">
+          <ac:chgData name="Nicholas Forte" userId="831f5f1da6d5c7f7" providerId="LiveId" clId="{45A0D7EB-6946-4EF5-A9E3-7A3D929C0A90}" dt="2020-10-14T03:24:21.026" v="54" actId="26606"/>
+          <ac:spMkLst>
+            <pc:docMk/>
+            <pc:sldMk cId="1893231326" sldId="277"/>
+            <ac:spMk id="93" creationId="{301491B5-56C7-43DC-A3D9-861EECCA056A}"/>
+          </ac:spMkLst>
+        </pc:spChg>
+        <pc:spChg chg="add del">
+          <ac:chgData name="Nicholas Forte" userId="831f5f1da6d5c7f7" providerId="LiveId" clId="{45A0D7EB-6946-4EF5-A9E3-7A3D929C0A90}" dt="2020-10-14T03:24:21.026" v="54" actId="26606"/>
+          <ac:spMkLst>
+            <pc:docMk/>
+            <pc:sldMk cId="1893231326" sldId="277"/>
+            <ac:spMk id="95" creationId="{237E2353-22DF-46E0-A200-FB30F8F394E2}"/>
+          </ac:spMkLst>
+        </pc:spChg>
+        <pc:spChg chg="add del">
+          <ac:chgData name="Nicholas Forte" userId="831f5f1da6d5c7f7" providerId="LiveId" clId="{45A0D7EB-6946-4EF5-A9E3-7A3D929C0A90}" dt="2020-10-14T03:24:21.026" v="54" actId="26606"/>
+          <ac:spMkLst>
+            <pc:docMk/>
+            <pc:sldMk cId="1893231326" sldId="277"/>
+            <ac:spMk id="97" creationId="{DD6138DB-057B-45F7-A5F4-E7BFDA20D02C}"/>
+          </ac:spMkLst>
+        </pc:spChg>
+        <pc:spChg chg="add del">
+          <ac:chgData name="Nicholas Forte" userId="831f5f1da6d5c7f7" providerId="LiveId" clId="{45A0D7EB-6946-4EF5-A9E3-7A3D929C0A90}" dt="2020-10-14T03:24:21.026" v="54" actId="26606"/>
+          <ac:spMkLst>
+            <pc:docMk/>
+            <pc:sldMk cId="1893231326" sldId="277"/>
+            <ac:spMk id="99" creationId="{79A54AB1-B64F-4843-BFAB-81CB74E66B65}"/>
+          </ac:spMkLst>
+        </pc:spChg>
+        <pc:picChg chg="add del mod">
+          <ac:chgData name="Nicholas Forte" userId="831f5f1da6d5c7f7" providerId="LiveId" clId="{45A0D7EB-6946-4EF5-A9E3-7A3D929C0A90}" dt="2020-10-14T03:23:21.386" v="19" actId="478"/>
+          <ac:picMkLst>
+            <pc:docMk/>
+            <pc:sldMk cId="1893231326" sldId="277"/>
+            <ac:picMk id="1026" creationId="{98677750-CCDA-4DD8-BF63-35DDCAA04106}"/>
+          </ac:picMkLst>
+        </pc:picChg>
+        <pc:picChg chg="add mod">
+          <ac:chgData name="Nicholas Forte" userId="831f5f1da6d5c7f7" providerId="LiveId" clId="{45A0D7EB-6946-4EF5-A9E3-7A3D929C0A90}" dt="2020-10-14T03:24:44.396" v="59" actId="1076"/>
+          <ac:picMkLst>
+            <pc:docMk/>
+            <pc:sldMk cId="1893231326" sldId="277"/>
+            <ac:picMk id="1028" creationId="{81C8209A-D60A-4F73-81FE-121695F5CF25}"/>
+          </ac:picMkLst>
+        </pc:picChg>
+      </pc:sldChg>
+      <pc:sldChg chg="new del">
+        <pc:chgData name="Nicholas Forte" userId="831f5f1da6d5c7f7" providerId="LiveId" clId="{45A0D7EB-6946-4EF5-A9E3-7A3D929C0A90}" dt="2020-10-14T23:26:25.813" v="88" actId="2696"/>
+        <pc:sldMkLst>
+          <pc:docMk/>
+          <pc:sldMk cId="3944020658" sldId="277"/>
+        </pc:sldMkLst>
+      </pc:sldChg>
+      <pc:sldChg chg="addSp delSp modSp new del mod">
+        <pc:chgData name="Nicholas Forte" userId="831f5f1da6d5c7f7" providerId="LiveId" clId="{45A0D7EB-6946-4EF5-A9E3-7A3D929C0A90}" dt="2020-10-14T23:24:11.033" v="83" actId="2696"/>
+        <pc:sldMkLst>
+          <pc:docMk/>
+          <pc:sldMk cId="4265890508" sldId="277"/>
+        </pc:sldMkLst>
+        <pc:spChg chg="del">
+          <ac:chgData name="Nicholas Forte" userId="831f5f1da6d5c7f7" providerId="LiveId" clId="{45A0D7EB-6946-4EF5-A9E3-7A3D929C0A90}" dt="2020-10-14T23:22:50.482" v="67" actId="22"/>
+          <ac:spMkLst>
+            <pc:docMk/>
+            <pc:sldMk cId="4265890508" sldId="277"/>
+            <ac:spMk id="3" creationId="{A9BA3175-2B4E-4444-8122-7C109B31E38B}"/>
+          </ac:spMkLst>
+        </pc:spChg>
+        <pc:spChg chg="add mod">
+          <ac:chgData name="Nicholas Forte" userId="831f5f1da6d5c7f7" providerId="LiveId" clId="{45A0D7EB-6946-4EF5-A9E3-7A3D929C0A90}" dt="2020-10-14T23:23:18.698" v="77" actId="478"/>
+          <ac:spMkLst>
+            <pc:docMk/>
+            <pc:sldMk cId="4265890508" sldId="277"/>
+            <ac:spMk id="7" creationId="{4C21EEE6-B531-4B2B-92CD-E0F35F50F4CD}"/>
+          </ac:spMkLst>
+        </pc:spChg>
+        <pc:graphicFrameChg chg="add del mod">
+          <ac:chgData name="Nicholas Forte" userId="831f5f1da6d5c7f7" providerId="LiveId" clId="{45A0D7EB-6946-4EF5-A9E3-7A3D929C0A90}" dt="2020-10-14T23:23:18.698" v="77" actId="478"/>
+          <ac:graphicFrameMkLst>
+            <pc:docMk/>
+            <pc:sldMk cId="4265890508" sldId="277"/>
+            <ac:graphicFrameMk id="5" creationId="{565935EA-3F11-4B5E-B0E0-4FE858A715AD}"/>
+          </ac:graphicFrameMkLst>
+        </pc:graphicFrameChg>
+      </pc:sldChg>
+      <pc:sldChg chg="add del">
+        <pc:chgData name="Nicholas Forte" userId="831f5f1da6d5c7f7" providerId="LiveId" clId="{45A0D7EB-6946-4EF5-A9E3-7A3D929C0A90}" dt="2020-10-14T23:26:21.103" v="87"/>
+        <pc:sldMkLst>
+          <pc:docMk/>
+          <pc:sldMk cId="1062914862" sldId="278"/>
+        </pc:sldMkLst>
+      </pc:sldChg>
+      <pc:sldChg chg="addSp new del mod">
+        <pc:chgData name="Nicholas Forte" userId="831f5f1da6d5c7f7" providerId="LiveId" clId="{45A0D7EB-6946-4EF5-A9E3-7A3D929C0A90}" dt="2020-10-14T23:22:24.799" v="61" actId="2696"/>
+        <pc:sldMkLst>
+          <pc:docMk/>
+          <pc:sldMk cId="3920464333" sldId="278"/>
+        </pc:sldMkLst>
+        <pc:picChg chg="add">
+          <ac:chgData name="Nicholas Forte" userId="831f5f1da6d5c7f7" providerId="LiveId" clId="{45A0D7EB-6946-4EF5-A9E3-7A3D929C0A90}" dt="2020-10-14T03:20:25.863" v="16" actId="22"/>
+          <ac:picMkLst>
+            <pc:docMk/>
+            <pc:sldMk cId="3920464333" sldId="278"/>
+            <ac:picMk id="5" creationId="{E5E97113-BDA5-40AB-A1EE-2F2B265BC1F4}"/>
+          </ac:picMkLst>
+        </pc:picChg>
+      </pc:sldChg>
+      <pc:sldMasterChg chg="add del addSldLayout delSldLayout">
+        <pc:chgData name="Nicholas Forte" userId="831f5f1da6d5c7f7" providerId="LiveId" clId="{45A0D7EB-6946-4EF5-A9E3-7A3D929C0A90}" dt="2020-10-14T23:26:21.103" v="86" actId="27028"/>
+        <pc:sldMasterMkLst>
+          <pc:docMk/>
+          <pc:sldMasterMk cId="4205076161" sldId="2147483648"/>
+        </pc:sldMasterMkLst>
+        <pc:sldLayoutChg chg="add del">
+          <pc:chgData name="Nicholas Forte" userId="831f5f1da6d5c7f7" providerId="LiveId" clId="{45A0D7EB-6946-4EF5-A9E3-7A3D929C0A90}" dt="2020-10-14T23:26:21.103" v="86" actId="27028"/>
+          <pc:sldLayoutMkLst>
+            <pc:docMk/>
+            <pc:sldMasterMk cId="4205076161" sldId="2147483648"/>
+            <pc:sldLayoutMk cId="1769514304" sldId="2147483649"/>
+          </pc:sldLayoutMkLst>
+        </pc:sldLayoutChg>
+      </pc:sldMasterChg>
+      <pc:sldMasterChg chg="replId modSldLayout">
+        <pc:chgData name="Nicholas Forte" userId="831f5f1da6d5c7f7" providerId="LiveId" clId="{45A0D7EB-6946-4EF5-A9E3-7A3D929C0A90}" dt="2020-10-14T23:23:40.828" v="78" actId="27028"/>
+        <pc:sldMasterMkLst>
+          <pc:docMk/>
+          <pc:sldMasterMk cId="1706719511" sldId="2147483660"/>
+        </pc:sldMasterMkLst>
+        <pc:sldLayoutChg chg="replId">
+          <pc:chgData name="Nicholas Forte" userId="831f5f1da6d5c7f7" providerId="LiveId" clId="{45A0D7EB-6946-4EF5-A9E3-7A3D929C0A90}" dt="2020-10-14T23:23:40.828" v="78" actId="27028"/>
+          <pc:sldLayoutMkLst>
+            <pc:docMk/>
+            <pc:sldMasterMk cId="1706719511" sldId="2147483660"/>
+            <pc:sldLayoutMk cId="4147073083" sldId="2147483661"/>
+          </pc:sldLayoutMkLst>
+        </pc:sldLayoutChg>
+      </pc:sldMasterChg>
+    </pc:docChg>
+  </pc:docChgLst>
   <pc:docChgLst>
     <pc:chgData name="Rafael Rocha" userId="ad3eed489a1630f4" providerId="LiveId" clId="{BA8B0EBD-1E07-4DD2-8283-5915E92AC911}"/>
     <pc:docChg chg="custSel addSld delSld modSld">
@@ -773,7 +1072,7 @@
           <a:p>
             <a:fld id="{EB60841A-4D04-44D0-9551-1643E2F32A38}" type="datetimeFigureOut">
               <a:rPr lang="pt-BR" smtClean="0"/>
-              <a:t>12/10/2020</a:t>
+              <a:t>14/10/2020</a:t>
             </a:fld>
             <a:endParaRPr lang="pt-BR"/>
           </a:p>
@@ -971,7 +1270,7 @@
           <a:p>
             <a:fld id="{EB60841A-4D04-44D0-9551-1643E2F32A38}" type="datetimeFigureOut">
               <a:rPr lang="pt-BR" smtClean="0"/>
-              <a:t>12/10/2020</a:t>
+              <a:t>14/10/2020</a:t>
             </a:fld>
             <a:endParaRPr lang="pt-BR"/>
           </a:p>
@@ -1179,7 +1478,7 @@
           <a:p>
             <a:fld id="{EB60841A-4D04-44D0-9551-1643E2F32A38}" type="datetimeFigureOut">
               <a:rPr lang="pt-BR" smtClean="0"/>
-              <a:t>12/10/2020</a:t>
+              <a:t>14/10/2020</a:t>
             </a:fld>
             <a:endParaRPr lang="pt-BR"/>
           </a:p>
@@ -1243,6 +1542,226 @@
     <p:extLst>
       <p:ext uri="{BB962C8B-B14F-4D97-AF65-F5344CB8AC3E}">
         <p14:creationId xmlns:p14="http://schemas.microsoft.com/office/powerpoint/2010/main" val="264186758"/>
+      </p:ext>
+    </p:extLst>
+  </p:cSld>
+  <p:clrMapOvr>
+    <a:masterClrMapping/>
+  </p:clrMapOvr>
+</p:sldLayout>
+</file>
+
+<file path=ppt/slideLayouts/slideLayout12.xml><?xml version="1.0" encoding="utf-8"?>
+<p:sldLayout xmlns:a="http://schemas.openxmlformats.org/drawingml/2006/main" xmlns:r="http://schemas.openxmlformats.org/officeDocument/2006/relationships" xmlns:p="http://schemas.openxmlformats.org/presentationml/2006/main" type="title" preserve="1">
+  <p:cSld name="Slide de Título">
+    <p:spTree>
+      <p:nvGrpSpPr>
+        <p:cNvPr id="1" name=""/>
+        <p:cNvGrpSpPr/>
+        <p:nvPr/>
+      </p:nvGrpSpPr>
+      <p:grpSpPr>
+        <a:xfrm>
+          <a:off x="0" y="0"/>
+          <a:ext cx="0" cy="0"/>
+          <a:chOff x="0" y="0"/>
+          <a:chExt cx="0" cy="0"/>
+        </a:xfrm>
+      </p:grpSpPr>
+      <p:sp>
+        <p:nvSpPr>
+          <p:cNvPr id="2" name="Título 1">
+            <a:extLst>
+              <a:ext uri="{FF2B5EF4-FFF2-40B4-BE49-F238E27FC236}">
+                <a16:creationId xmlns:a16="http://schemas.microsoft.com/office/drawing/2014/main" id="{034D0B63-19FE-4003-9EBA-0A4EB46316E8}"/>
+              </a:ext>
+            </a:extLst>
+          </p:cNvPr>
+          <p:cNvSpPr>
+            <a:spLocks noGrp="1"/>
+          </p:cNvSpPr>
+          <p:nvPr>
+            <p:ph type="ctrTitle"/>
+          </p:nvPr>
+        </p:nvSpPr>
+        <p:spPr>
+          <a:xfrm>
+            <a:off x="1524000" y="1122363"/>
+            <a:ext cx="9144000" cy="2387600"/>
+          </a:xfrm>
+        </p:spPr>
+        <p:txBody>
+          <a:bodyPr anchor="b"/>
+          <a:lstStyle>
+            <a:lvl1pPr algn="ctr">
+              <a:defRPr sz="6000"/>
+            </a:lvl1pPr>
+          </a:lstStyle>
+          <a:p>
+            <a:r>
+              <a:rPr lang="pt-BR"/>
+              <a:t>Clique para editar o título Mestre</a:t>
+            </a:r>
+          </a:p>
+        </p:txBody>
+      </p:sp>
+      <p:sp>
+        <p:nvSpPr>
+          <p:cNvPr id="3" name="Subtítulo 2">
+            <a:extLst>
+              <a:ext uri="{FF2B5EF4-FFF2-40B4-BE49-F238E27FC236}">
+                <a16:creationId xmlns:a16="http://schemas.microsoft.com/office/drawing/2014/main" id="{CD7FFB1A-0449-4B64-A696-8C5A82D9870F}"/>
+              </a:ext>
+            </a:extLst>
+          </p:cNvPr>
+          <p:cNvSpPr>
+            <a:spLocks noGrp="1"/>
+          </p:cNvSpPr>
+          <p:nvPr>
+            <p:ph type="subTitle" idx="1"/>
+          </p:nvPr>
+        </p:nvSpPr>
+        <p:spPr>
+          <a:xfrm>
+            <a:off x="1524000" y="3602038"/>
+            <a:ext cx="9144000" cy="1655762"/>
+          </a:xfrm>
+        </p:spPr>
+        <p:txBody>
+          <a:bodyPr/>
+          <a:lstStyle>
+            <a:lvl1pPr marL="0" indent="0" algn="ctr">
+              <a:buNone/>
+              <a:defRPr sz="2400"/>
+            </a:lvl1pPr>
+            <a:lvl2pPr marL="457200" indent="0" algn="ctr">
+              <a:buNone/>
+              <a:defRPr sz="2000"/>
+            </a:lvl2pPr>
+            <a:lvl3pPr marL="914400" indent="0" algn="ctr">
+              <a:buNone/>
+              <a:defRPr sz="1800"/>
+            </a:lvl3pPr>
+            <a:lvl4pPr marL="1371600" indent="0" algn="ctr">
+              <a:buNone/>
+              <a:defRPr sz="1600"/>
+            </a:lvl4pPr>
+            <a:lvl5pPr marL="1828800" indent="0" algn="ctr">
+              <a:buNone/>
+              <a:defRPr sz="1600"/>
+            </a:lvl5pPr>
+            <a:lvl6pPr marL="2286000" indent="0" algn="ctr">
+              <a:buNone/>
+              <a:defRPr sz="1600"/>
+            </a:lvl6pPr>
+            <a:lvl7pPr marL="2743200" indent="0" algn="ctr">
+              <a:buNone/>
+              <a:defRPr sz="1600"/>
+            </a:lvl7pPr>
+            <a:lvl8pPr marL="3200400" indent="0" algn="ctr">
+              <a:buNone/>
+              <a:defRPr sz="1600"/>
+            </a:lvl8pPr>
+            <a:lvl9pPr marL="3657600" indent="0" algn="ctr">
+              <a:buNone/>
+              <a:defRPr sz="1600"/>
+            </a:lvl9pPr>
+          </a:lstStyle>
+          <a:p>
+            <a:r>
+              <a:rPr lang="pt-BR"/>
+              <a:t>Clique para editar o estilo do subtítulo Mestre</a:t>
+            </a:r>
+          </a:p>
+        </p:txBody>
+      </p:sp>
+      <p:sp>
+        <p:nvSpPr>
+          <p:cNvPr id="4" name="Espaço Reservado para Data 3">
+            <a:extLst>
+              <a:ext uri="{FF2B5EF4-FFF2-40B4-BE49-F238E27FC236}">
+                <a16:creationId xmlns:a16="http://schemas.microsoft.com/office/drawing/2014/main" id="{3208944A-9D39-48AE-B119-FC8A9D3A0AB3}"/>
+              </a:ext>
+            </a:extLst>
+          </p:cNvPr>
+          <p:cNvSpPr>
+            <a:spLocks noGrp="1"/>
+          </p:cNvSpPr>
+          <p:nvPr>
+            <p:ph type="dt" sz="half" idx="10"/>
+          </p:nvPr>
+        </p:nvSpPr>
+        <p:spPr/>
+        <p:txBody>
+          <a:bodyPr/>
+          <a:lstStyle/>
+          <a:p>
+            <a:fld id="{F7EC64ED-7566-42AD-8F25-50CCDA65E5AC}" type="datetimeFigureOut">
+              <a:rPr lang="pt-BR" smtClean="0"/>
+              <a:t>14/10/2020</a:t>
+            </a:fld>
+            <a:endParaRPr lang="pt-BR"/>
+          </a:p>
+        </p:txBody>
+      </p:sp>
+      <p:sp>
+        <p:nvSpPr>
+          <p:cNvPr id="5" name="Espaço Reservado para Rodapé 4">
+            <a:extLst>
+              <a:ext uri="{FF2B5EF4-FFF2-40B4-BE49-F238E27FC236}">
+                <a16:creationId xmlns:a16="http://schemas.microsoft.com/office/drawing/2014/main" id="{85D87C55-A6C2-4D11-A9AA-909B8E5A3BA6}"/>
+              </a:ext>
+            </a:extLst>
+          </p:cNvPr>
+          <p:cNvSpPr>
+            <a:spLocks noGrp="1"/>
+          </p:cNvSpPr>
+          <p:nvPr>
+            <p:ph type="ftr" sz="quarter" idx="11"/>
+          </p:nvPr>
+        </p:nvSpPr>
+        <p:spPr/>
+        <p:txBody>
+          <a:bodyPr/>
+          <a:lstStyle/>
+          <a:p>
+            <a:endParaRPr lang="pt-BR"/>
+          </a:p>
+        </p:txBody>
+      </p:sp>
+      <p:sp>
+        <p:nvSpPr>
+          <p:cNvPr id="6" name="Espaço Reservado para Número de Slide 5">
+            <a:extLst>
+              <a:ext uri="{FF2B5EF4-FFF2-40B4-BE49-F238E27FC236}">
+                <a16:creationId xmlns:a16="http://schemas.microsoft.com/office/drawing/2014/main" id="{B0E7C990-343A-4BA7-9500-DC39C0C7475F}"/>
+              </a:ext>
+            </a:extLst>
+          </p:cNvPr>
+          <p:cNvSpPr>
+            <a:spLocks noGrp="1"/>
+          </p:cNvSpPr>
+          <p:nvPr>
+            <p:ph type="sldNum" sz="quarter" idx="12"/>
+          </p:nvPr>
+        </p:nvSpPr>
+        <p:spPr/>
+        <p:txBody>
+          <a:bodyPr/>
+          <a:lstStyle/>
+          <a:p>
+            <a:fld id="{CB10124F-3F54-42CB-9B6A-C78B4FF734B6}" type="slidenum">
+              <a:rPr lang="pt-BR" smtClean="0"/>
+              <a:t>‹nº›</a:t>
+            </a:fld>
+            <a:endParaRPr lang="pt-BR"/>
+          </a:p>
+        </p:txBody>
+      </p:sp>
+    </p:spTree>
+    <p:extLst>
+      <p:ext uri="{BB962C8B-B14F-4D97-AF65-F5344CB8AC3E}">
+        <p14:creationId xmlns:p14="http://schemas.microsoft.com/office/powerpoint/2010/main" val="1769514304"/>
       </p:ext>
     </p:extLst>
   </p:cSld>
@@ -1377,7 +1896,7 @@
           <a:p>
             <a:fld id="{EB60841A-4D04-44D0-9551-1643E2F32A38}" type="datetimeFigureOut">
               <a:rPr lang="pt-BR" smtClean="0"/>
-              <a:t>12/10/2020</a:t>
+              <a:t>14/10/2020</a:t>
             </a:fld>
             <a:endParaRPr lang="pt-BR"/>
           </a:p>
@@ -1652,7 +2171,7 @@
           <a:p>
             <a:fld id="{EB60841A-4D04-44D0-9551-1643E2F32A38}" type="datetimeFigureOut">
               <a:rPr lang="pt-BR" smtClean="0"/>
-              <a:t>12/10/2020</a:t>
+              <a:t>14/10/2020</a:t>
             </a:fld>
             <a:endParaRPr lang="pt-BR"/>
           </a:p>
@@ -1917,7 +2436,7 @@
           <a:p>
             <a:fld id="{EB60841A-4D04-44D0-9551-1643E2F32A38}" type="datetimeFigureOut">
               <a:rPr lang="pt-BR" smtClean="0"/>
-              <a:t>12/10/2020</a:t>
+              <a:t>14/10/2020</a:t>
             </a:fld>
             <a:endParaRPr lang="pt-BR"/>
           </a:p>
@@ -2329,7 +2848,7 @@
           <a:p>
             <a:fld id="{EB60841A-4D04-44D0-9551-1643E2F32A38}" type="datetimeFigureOut">
               <a:rPr lang="pt-BR" smtClean="0"/>
-              <a:t>12/10/2020</a:t>
+              <a:t>14/10/2020</a:t>
             </a:fld>
             <a:endParaRPr lang="pt-BR"/>
           </a:p>
@@ -2470,7 +2989,7 @@
           <a:p>
             <a:fld id="{EB60841A-4D04-44D0-9551-1643E2F32A38}" type="datetimeFigureOut">
               <a:rPr lang="pt-BR" smtClean="0"/>
-              <a:t>12/10/2020</a:t>
+              <a:t>14/10/2020</a:t>
             </a:fld>
             <a:endParaRPr lang="pt-BR"/>
           </a:p>
@@ -2583,7 +3102,7 @@
           <a:p>
             <a:fld id="{EB60841A-4D04-44D0-9551-1643E2F32A38}" type="datetimeFigureOut">
               <a:rPr lang="pt-BR" smtClean="0"/>
-              <a:t>12/10/2020</a:t>
+              <a:t>14/10/2020</a:t>
             </a:fld>
             <a:endParaRPr lang="pt-BR"/>
           </a:p>
@@ -2894,7 +3413,7 @@
           <a:p>
             <a:fld id="{EB60841A-4D04-44D0-9551-1643E2F32A38}" type="datetimeFigureOut">
               <a:rPr lang="pt-BR" smtClean="0"/>
-              <a:t>12/10/2020</a:t>
+              <a:t>14/10/2020</a:t>
             </a:fld>
             <a:endParaRPr lang="pt-BR"/>
           </a:p>
@@ -3182,7 +3701,7 @@
           <a:p>
             <a:fld id="{EB60841A-4D04-44D0-9551-1643E2F32A38}" type="datetimeFigureOut">
               <a:rPr lang="pt-BR" smtClean="0"/>
-              <a:t>12/10/2020</a:t>
+              <a:t>14/10/2020</a:t>
             </a:fld>
             <a:endParaRPr lang="pt-BR"/>
           </a:p>
@@ -3423,7 +3942,7 @@
           <a:p>
             <a:fld id="{EB60841A-4D04-44D0-9551-1643E2F32A38}" type="datetimeFigureOut">
               <a:rPr lang="pt-BR" smtClean="0"/>
-              <a:t>12/10/2020</a:t>
+              <a:t>14/10/2020</a:t>
             </a:fld>
             <a:endParaRPr lang="pt-BR"/>
           </a:p>
@@ -3528,7 +4047,7 @@
   </p:cSld>
   <p:clrMap bg1="lt1" tx1="dk1" bg2="lt2" tx2="dk2" accent1="accent1" accent2="accent2" accent3="accent3" accent4="accent4" accent5="accent5" accent6="accent6" hlink="hlink" folHlink="folHlink"/>
   <p:sldLayoutIdLst>
-    <p:sldLayoutId id="2147483649" r:id="rId1"/>
+    <p:sldLayoutId id="2147483661" r:id="rId1"/>
     <p:sldLayoutId id="2147483650" r:id="rId2"/>
     <p:sldLayoutId id="2147483651" r:id="rId3"/>
     <p:sldLayoutId id="2147483652" r:id="rId4"/>
@@ -3539,6 +4058,564 @@
     <p:sldLayoutId id="2147483657" r:id="rId9"/>
     <p:sldLayoutId id="2147483658" r:id="rId10"/>
     <p:sldLayoutId id="2147483659" r:id="rId11"/>
+  </p:sldLayoutIdLst>
+  <p:txStyles>
+    <p:titleStyle>
+      <a:lvl1pPr algn="l" defTabSz="914400" rtl="0" eaLnBrk="1" latinLnBrk="0" hangingPunct="1">
+        <a:lnSpc>
+          <a:spcPct val="90000"/>
+        </a:lnSpc>
+        <a:spcBef>
+          <a:spcPct val="0"/>
+        </a:spcBef>
+        <a:buNone/>
+        <a:defRPr sz="4400" kern="1200">
+          <a:solidFill>
+            <a:schemeClr val="tx1"/>
+          </a:solidFill>
+          <a:latin typeface="+mj-lt"/>
+          <a:ea typeface="+mj-ea"/>
+          <a:cs typeface="+mj-cs"/>
+        </a:defRPr>
+      </a:lvl1pPr>
+    </p:titleStyle>
+    <p:bodyStyle>
+      <a:lvl1pPr marL="228600" indent="-228600" algn="l" defTabSz="914400" rtl="0" eaLnBrk="1" latinLnBrk="0" hangingPunct="1">
+        <a:lnSpc>
+          <a:spcPct val="90000"/>
+        </a:lnSpc>
+        <a:spcBef>
+          <a:spcPts val="1000"/>
+        </a:spcBef>
+        <a:buFont typeface="Arial" panose="020B0604020202020204" pitchFamily="34" charset="0"/>
+        <a:buChar char="•"/>
+        <a:defRPr sz="2800" kern="1200">
+          <a:solidFill>
+            <a:schemeClr val="tx1"/>
+          </a:solidFill>
+          <a:latin typeface="+mn-lt"/>
+          <a:ea typeface="+mn-ea"/>
+          <a:cs typeface="+mn-cs"/>
+        </a:defRPr>
+      </a:lvl1pPr>
+      <a:lvl2pPr marL="685800" indent="-228600" algn="l" defTabSz="914400" rtl="0" eaLnBrk="1" latinLnBrk="0" hangingPunct="1">
+        <a:lnSpc>
+          <a:spcPct val="90000"/>
+        </a:lnSpc>
+        <a:spcBef>
+          <a:spcPts val="500"/>
+        </a:spcBef>
+        <a:buFont typeface="Arial" panose="020B0604020202020204" pitchFamily="34" charset="0"/>
+        <a:buChar char="•"/>
+        <a:defRPr sz="2400" kern="1200">
+          <a:solidFill>
+            <a:schemeClr val="tx1"/>
+          </a:solidFill>
+          <a:latin typeface="+mn-lt"/>
+          <a:ea typeface="+mn-ea"/>
+          <a:cs typeface="+mn-cs"/>
+        </a:defRPr>
+      </a:lvl2pPr>
+      <a:lvl3pPr marL="1143000" indent="-228600" algn="l" defTabSz="914400" rtl="0" eaLnBrk="1" latinLnBrk="0" hangingPunct="1">
+        <a:lnSpc>
+          <a:spcPct val="90000"/>
+        </a:lnSpc>
+        <a:spcBef>
+          <a:spcPts val="500"/>
+        </a:spcBef>
+        <a:buFont typeface="Arial" panose="020B0604020202020204" pitchFamily="34" charset="0"/>
+        <a:buChar char="•"/>
+        <a:defRPr sz="2000" kern="1200">
+          <a:solidFill>
+            <a:schemeClr val="tx1"/>
+          </a:solidFill>
+          <a:latin typeface="+mn-lt"/>
+          <a:ea typeface="+mn-ea"/>
+          <a:cs typeface="+mn-cs"/>
+        </a:defRPr>
+      </a:lvl3pPr>
+      <a:lvl4pPr marL="1600200" indent="-228600" algn="l" defTabSz="914400" rtl="0" eaLnBrk="1" latinLnBrk="0" hangingPunct="1">
+        <a:lnSpc>
+          <a:spcPct val="90000"/>
+        </a:lnSpc>
+        <a:spcBef>
+          <a:spcPts val="500"/>
+        </a:spcBef>
+        <a:buFont typeface="Arial" panose="020B0604020202020204" pitchFamily="34" charset="0"/>
+        <a:buChar char="•"/>
+        <a:defRPr sz="1800" kern="1200">
+          <a:solidFill>
+            <a:schemeClr val="tx1"/>
+          </a:solidFill>
+          <a:latin typeface="+mn-lt"/>
+          <a:ea typeface="+mn-ea"/>
+          <a:cs typeface="+mn-cs"/>
+        </a:defRPr>
+      </a:lvl4pPr>
+      <a:lvl5pPr marL="2057400" indent="-228600" algn="l" defTabSz="914400" rtl="0" eaLnBrk="1" latinLnBrk="0" hangingPunct="1">
+        <a:lnSpc>
+          <a:spcPct val="90000"/>
+        </a:lnSpc>
+        <a:spcBef>
+          <a:spcPts val="500"/>
+        </a:spcBef>
+        <a:buFont typeface="Arial" panose="020B0604020202020204" pitchFamily="34" charset="0"/>
+        <a:buChar char="•"/>
+        <a:defRPr sz="1800" kern="1200">
+          <a:solidFill>
+            <a:schemeClr val="tx1"/>
+          </a:solidFill>
+          <a:latin typeface="+mn-lt"/>
+          <a:ea typeface="+mn-ea"/>
+          <a:cs typeface="+mn-cs"/>
+        </a:defRPr>
+      </a:lvl5pPr>
+      <a:lvl6pPr marL="2514600" indent="-228600" algn="l" defTabSz="914400" rtl="0" eaLnBrk="1" latinLnBrk="0" hangingPunct="1">
+        <a:lnSpc>
+          <a:spcPct val="90000"/>
+        </a:lnSpc>
+        <a:spcBef>
+          <a:spcPts val="500"/>
+        </a:spcBef>
+        <a:buFont typeface="Arial" panose="020B0604020202020204" pitchFamily="34" charset="0"/>
+        <a:buChar char="•"/>
+        <a:defRPr sz="1800" kern="1200">
+          <a:solidFill>
+            <a:schemeClr val="tx1"/>
+          </a:solidFill>
+          <a:latin typeface="+mn-lt"/>
+          <a:ea typeface="+mn-ea"/>
+          <a:cs typeface="+mn-cs"/>
+        </a:defRPr>
+      </a:lvl6pPr>
+      <a:lvl7pPr marL="2971800" indent="-228600" algn="l" defTabSz="914400" rtl="0" eaLnBrk="1" latinLnBrk="0" hangingPunct="1">
+        <a:lnSpc>
+          <a:spcPct val="90000"/>
+        </a:lnSpc>
+        <a:spcBef>
+          <a:spcPts val="500"/>
+        </a:spcBef>
+        <a:buFont typeface="Arial" panose="020B0604020202020204" pitchFamily="34" charset="0"/>
+        <a:buChar char="•"/>
+        <a:defRPr sz="1800" kern="1200">
+          <a:solidFill>
+            <a:schemeClr val="tx1"/>
+          </a:solidFill>
+          <a:latin typeface="+mn-lt"/>
+          <a:ea typeface="+mn-ea"/>
+          <a:cs typeface="+mn-cs"/>
+        </a:defRPr>
+      </a:lvl7pPr>
+      <a:lvl8pPr marL="3429000" indent="-228600" algn="l" defTabSz="914400" rtl="0" eaLnBrk="1" latinLnBrk="0" hangingPunct="1">
+        <a:lnSpc>
+          <a:spcPct val="90000"/>
+        </a:lnSpc>
+        <a:spcBef>
+          <a:spcPts val="500"/>
+        </a:spcBef>
+        <a:buFont typeface="Arial" panose="020B0604020202020204" pitchFamily="34" charset="0"/>
+        <a:buChar char="•"/>
+        <a:defRPr sz="1800" kern="1200">
+          <a:solidFill>
+            <a:schemeClr val="tx1"/>
+          </a:solidFill>
+          <a:latin typeface="+mn-lt"/>
+          <a:ea typeface="+mn-ea"/>
+          <a:cs typeface="+mn-cs"/>
+        </a:defRPr>
+      </a:lvl8pPr>
+      <a:lvl9pPr marL="3886200" indent="-228600" algn="l" defTabSz="914400" rtl="0" eaLnBrk="1" latinLnBrk="0" hangingPunct="1">
+        <a:lnSpc>
+          <a:spcPct val="90000"/>
+        </a:lnSpc>
+        <a:spcBef>
+          <a:spcPts val="500"/>
+        </a:spcBef>
+        <a:buFont typeface="Arial" panose="020B0604020202020204" pitchFamily="34" charset="0"/>
+        <a:buChar char="•"/>
+        <a:defRPr sz="1800" kern="1200">
+          <a:solidFill>
+            <a:schemeClr val="tx1"/>
+          </a:solidFill>
+          <a:latin typeface="+mn-lt"/>
+          <a:ea typeface="+mn-ea"/>
+          <a:cs typeface="+mn-cs"/>
+        </a:defRPr>
+      </a:lvl9pPr>
+    </p:bodyStyle>
+    <p:otherStyle>
+      <a:defPPr>
+        <a:defRPr lang="pt-BR"/>
+      </a:defPPr>
+      <a:lvl1pPr marL="0" algn="l" defTabSz="914400" rtl="0" eaLnBrk="1" latinLnBrk="0" hangingPunct="1">
+        <a:defRPr sz="1800" kern="1200">
+          <a:solidFill>
+            <a:schemeClr val="tx1"/>
+          </a:solidFill>
+          <a:latin typeface="+mn-lt"/>
+          <a:ea typeface="+mn-ea"/>
+          <a:cs typeface="+mn-cs"/>
+        </a:defRPr>
+      </a:lvl1pPr>
+      <a:lvl2pPr marL="457200" algn="l" defTabSz="914400" rtl="0" eaLnBrk="1" latinLnBrk="0" hangingPunct="1">
+        <a:defRPr sz="1800" kern="1200">
+          <a:solidFill>
+            <a:schemeClr val="tx1"/>
+          </a:solidFill>
+          <a:latin typeface="+mn-lt"/>
+          <a:ea typeface="+mn-ea"/>
+          <a:cs typeface="+mn-cs"/>
+        </a:defRPr>
+      </a:lvl2pPr>
+      <a:lvl3pPr marL="914400" algn="l" defTabSz="914400" rtl="0" eaLnBrk="1" latinLnBrk="0" hangingPunct="1">
+        <a:defRPr sz="1800" kern="1200">
+          <a:solidFill>
+            <a:schemeClr val="tx1"/>
+          </a:solidFill>
+          <a:latin typeface="+mn-lt"/>
+          <a:ea typeface="+mn-ea"/>
+          <a:cs typeface="+mn-cs"/>
+        </a:defRPr>
+      </a:lvl3pPr>
+      <a:lvl4pPr marL="1371600" algn="l" defTabSz="914400" rtl="0" eaLnBrk="1" latinLnBrk="0" hangingPunct="1">
+        <a:defRPr sz="1800" kern="1200">
+          <a:solidFill>
+            <a:schemeClr val="tx1"/>
+          </a:solidFill>
+          <a:latin typeface="+mn-lt"/>
+          <a:ea typeface="+mn-ea"/>
+          <a:cs typeface="+mn-cs"/>
+        </a:defRPr>
+      </a:lvl4pPr>
+      <a:lvl5pPr marL="1828800" algn="l" defTabSz="914400" rtl="0" eaLnBrk="1" latinLnBrk="0" hangingPunct="1">
+        <a:defRPr sz="1800" kern="1200">
+          <a:solidFill>
+            <a:schemeClr val="tx1"/>
+          </a:solidFill>
+          <a:latin typeface="+mn-lt"/>
+          <a:ea typeface="+mn-ea"/>
+          <a:cs typeface="+mn-cs"/>
+        </a:defRPr>
+      </a:lvl5pPr>
+      <a:lvl6pPr marL="2286000" algn="l" defTabSz="914400" rtl="0" eaLnBrk="1" latinLnBrk="0" hangingPunct="1">
+        <a:defRPr sz="1800" kern="1200">
+          <a:solidFill>
+            <a:schemeClr val="tx1"/>
+          </a:solidFill>
+          <a:latin typeface="+mn-lt"/>
+          <a:ea typeface="+mn-ea"/>
+          <a:cs typeface="+mn-cs"/>
+        </a:defRPr>
+      </a:lvl6pPr>
+      <a:lvl7pPr marL="2743200" algn="l" defTabSz="914400" rtl="0" eaLnBrk="1" latinLnBrk="0" hangingPunct="1">
+        <a:defRPr sz="1800" kern="1200">
+          <a:solidFill>
+            <a:schemeClr val="tx1"/>
+          </a:solidFill>
+          <a:latin typeface="+mn-lt"/>
+          <a:ea typeface="+mn-ea"/>
+          <a:cs typeface="+mn-cs"/>
+        </a:defRPr>
+      </a:lvl7pPr>
+      <a:lvl8pPr marL="3200400" algn="l" defTabSz="914400" rtl="0" eaLnBrk="1" latinLnBrk="0" hangingPunct="1">
+        <a:defRPr sz="1800" kern="1200">
+          <a:solidFill>
+            <a:schemeClr val="tx1"/>
+          </a:solidFill>
+          <a:latin typeface="+mn-lt"/>
+          <a:ea typeface="+mn-ea"/>
+          <a:cs typeface="+mn-cs"/>
+        </a:defRPr>
+      </a:lvl8pPr>
+      <a:lvl9pPr marL="3657600" algn="l" defTabSz="914400" rtl="0" eaLnBrk="1" latinLnBrk="0" hangingPunct="1">
+        <a:defRPr sz="1800" kern="1200">
+          <a:solidFill>
+            <a:schemeClr val="tx1"/>
+          </a:solidFill>
+          <a:latin typeface="+mn-lt"/>
+          <a:ea typeface="+mn-ea"/>
+          <a:cs typeface="+mn-cs"/>
+        </a:defRPr>
+      </a:lvl9pPr>
+    </p:otherStyle>
+  </p:txStyles>
+</p:sldMaster>
+</file>
+
+<file path=ppt/slideMasters/slideMaster2.xml><?xml version="1.0" encoding="utf-8"?>
+<p:sldMaster xmlns:a="http://schemas.openxmlformats.org/drawingml/2006/main" xmlns:r="http://schemas.openxmlformats.org/officeDocument/2006/relationships" xmlns:p="http://schemas.openxmlformats.org/presentationml/2006/main">
+  <p:cSld>
+    <p:bg>
+      <p:bgRef idx="1001">
+        <a:schemeClr val="bg1"/>
+      </p:bgRef>
+    </p:bg>
+    <p:spTree>
+      <p:nvGrpSpPr>
+        <p:cNvPr id="1" name=""/>
+        <p:cNvGrpSpPr/>
+        <p:nvPr/>
+      </p:nvGrpSpPr>
+      <p:grpSpPr>
+        <a:xfrm>
+          <a:off x="0" y="0"/>
+          <a:ext cx="0" cy="0"/>
+          <a:chOff x="0" y="0"/>
+          <a:chExt cx="0" cy="0"/>
+        </a:xfrm>
+      </p:grpSpPr>
+      <p:sp>
+        <p:nvSpPr>
+          <p:cNvPr id="2" name="Espaço Reservado para Título 1">
+            <a:extLst>
+              <a:ext uri="{FF2B5EF4-FFF2-40B4-BE49-F238E27FC236}">
+                <a16:creationId xmlns:a16="http://schemas.microsoft.com/office/drawing/2014/main" id="{47FD1162-21C6-43F5-86E2-E615AA639AD6}"/>
+              </a:ext>
+            </a:extLst>
+          </p:cNvPr>
+          <p:cNvSpPr>
+            <a:spLocks noGrp="1"/>
+          </p:cNvSpPr>
+          <p:nvPr>
+            <p:ph type="title"/>
+          </p:nvPr>
+        </p:nvSpPr>
+        <p:spPr>
+          <a:xfrm>
+            <a:off x="838200" y="365125"/>
+            <a:ext cx="10515600" cy="1325563"/>
+          </a:xfrm>
+          <a:prstGeom prst="rect">
+            <a:avLst/>
+          </a:prstGeom>
+        </p:spPr>
+        <p:txBody>
+          <a:bodyPr vert="horz" lIns="91440" tIns="45720" rIns="91440" bIns="45720" rtlCol="0" anchor="ctr">
+            <a:normAutofit/>
+          </a:bodyPr>
+          <a:lstStyle/>
+          <a:p>
+            <a:r>
+              <a:rPr lang="pt-BR"/>
+              <a:t>Clique para editar o título Mestre</a:t>
+            </a:r>
+          </a:p>
+        </p:txBody>
+      </p:sp>
+      <p:sp>
+        <p:nvSpPr>
+          <p:cNvPr id="3" name="Espaço Reservado para Texto 2">
+            <a:extLst>
+              <a:ext uri="{FF2B5EF4-FFF2-40B4-BE49-F238E27FC236}">
+                <a16:creationId xmlns:a16="http://schemas.microsoft.com/office/drawing/2014/main" id="{052C8511-855B-4B3B-B206-80A5CF294112}"/>
+              </a:ext>
+            </a:extLst>
+          </p:cNvPr>
+          <p:cNvSpPr>
+            <a:spLocks noGrp="1"/>
+          </p:cNvSpPr>
+          <p:nvPr>
+            <p:ph type="body" idx="1"/>
+          </p:nvPr>
+        </p:nvSpPr>
+        <p:spPr>
+          <a:xfrm>
+            <a:off x="838200" y="1825625"/>
+            <a:ext cx="10515600" cy="4351338"/>
+          </a:xfrm>
+          <a:prstGeom prst="rect">
+            <a:avLst/>
+          </a:prstGeom>
+        </p:spPr>
+        <p:txBody>
+          <a:bodyPr vert="horz" lIns="91440" tIns="45720" rIns="91440" bIns="45720" rtlCol="0">
+            <a:normAutofit/>
+          </a:bodyPr>
+          <a:lstStyle/>
+          <a:p>
+            <a:pPr lvl="0"/>
+            <a:r>
+              <a:rPr lang="pt-BR"/>
+              <a:t>Clique para editar os estilos de texto Mestres</a:t>
+            </a:r>
+          </a:p>
+          <a:p>
+            <a:pPr lvl="1"/>
+            <a:r>
+              <a:rPr lang="pt-BR"/>
+              <a:t>Segundo nível</a:t>
+            </a:r>
+          </a:p>
+          <a:p>
+            <a:pPr lvl="2"/>
+            <a:r>
+              <a:rPr lang="pt-BR"/>
+              <a:t>Terceiro nível</a:t>
+            </a:r>
+          </a:p>
+          <a:p>
+            <a:pPr lvl="3"/>
+            <a:r>
+              <a:rPr lang="pt-BR"/>
+              <a:t>Quarto nível</a:t>
+            </a:r>
+          </a:p>
+          <a:p>
+            <a:pPr lvl="4"/>
+            <a:r>
+              <a:rPr lang="pt-BR"/>
+              <a:t>Quinto nível</a:t>
+            </a:r>
+          </a:p>
+        </p:txBody>
+      </p:sp>
+      <p:sp>
+        <p:nvSpPr>
+          <p:cNvPr id="4" name="Espaço Reservado para Data 3">
+            <a:extLst>
+              <a:ext uri="{FF2B5EF4-FFF2-40B4-BE49-F238E27FC236}">
+                <a16:creationId xmlns:a16="http://schemas.microsoft.com/office/drawing/2014/main" id="{A716FDFD-6D6C-4741-B692-8EC1DA29B2E0}"/>
+              </a:ext>
+            </a:extLst>
+          </p:cNvPr>
+          <p:cNvSpPr>
+            <a:spLocks noGrp="1"/>
+          </p:cNvSpPr>
+          <p:nvPr>
+            <p:ph type="dt" sz="half" idx="2"/>
+          </p:nvPr>
+        </p:nvSpPr>
+        <p:spPr>
+          <a:xfrm>
+            <a:off x="838200" y="6356350"/>
+            <a:ext cx="2743200" cy="365125"/>
+          </a:xfrm>
+          <a:prstGeom prst="rect">
+            <a:avLst/>
+          </a:prstGeom>
+        </p:spPr>
+        <p:txBody>
+          <a:bodyPr vert="horz" lIns="91440" tIns="45720" rIns="91440" bIns="45720" rtlCol="0" anchor="ctr"/>
+          <a:lstStyle>
+            <a:lvl1pPr algn="l">
+              <a:defRPr sz="1200">
+                <a:solidFill>
+                  <a:schemeClr val="tx1">
+                    <a:tint val="75000"/>
+                  </a:schemeClr>
+                </a:solidFill>
+              </a:defRPr>
+            </a:lvl1pPr>
+          </a:lstStyle>
+          <a:p>
+            <a:fld id="{F7EC64ED-7566-42AD-8F25-50CCDA65E5AC}" type="datetimeFigureOut">
+              <a:rPr lang="pt-BR" smtClean="0"/>
+              <a:t>14/10/2020</a:t>
+            </a:fld>
+            <a:endParaRPr lang="pt-BR"/>
+          </a:p>
+        </p:txBody>
+      </p:sp>
+      <p:sp>
+        <p:nvSpPr>
+          <p:cNvPr id="5" name="Espaço Reservado para Rodapé 4">
+            <a:extLst>
+              <a:ext uri="{FF2B5EF4-FFF2-40B4-BE49-F238E27FC236}">
+                <a16:creationId xmlns:a16="http://schemas.microsoft.com/office/drawing/2014/main" id="{E251A9C3-67FF-4513-A0A8-3BB32F78963E}"/>
+              </a:ext>
+            </a:extLst>
+          </p:cNvPr>
+          <p:cNvSpPr>
+            <a:spLocks noGrp="1"/>
+          </p:cNvSpPr>
+          <p:nvPr>
+            <p:ph type="ftr" sz="quarter" idx="3"/>
+          </p:nvPr>
+        </p:nvSpPr>
+        <p:spPr>
+          <a:xfrm>
+            <a:off x="4038600" y="6356350"/>
+            <a:ext cx="4114800" cy="365125"/>
+          </a:xfrm>
+          <a:prstGeom prst="rect">
+            <a:avLst/>
+          </a:prstGeom>
+        </p:spPr>
+        <p:txBody>
+          <a:bodyPr vert="horz" lIns="91440" tIns="45720" rIns="91440" bIns="45720" rtlCol="0" anchor="ctr"/>
+          <a:lstStyle>
+            <a:lvl1pPr algn="ctr">
+              <a:defRPr sz="1200">
+                <a:solidFill>
+                  <a:schemeClr val="tx1">
+                    <a:tint val="75000"/>
+                  </a:schemeClr>
+                </a:solidFill>
+              </a:defRPr>
+            </a:lvl1pPr>
+          </a:lstStyle>
+          <a:p>
+            <a:endParaRPr lang="pt-BR"/>
+          </a:p>
+        </p:txBody>
+      </p:sp>
+      <p:sp>
+        <p:nvSpPr>
+          <p:cNvPr id="6" name="Espaço Reservado para Número de Slide 5">
+            <a:extLst>
+              <a:ext uri="{FF2B5EF4-FFF2-40B4-BE49-F238E27FC236}">
+                <a16:creationId xmlns:a16="http://schemas.microsoft.com/office/drawing/2014/main" id="{D704FBE9-3837-45D8-BB7A-6DA807E759CE}"/>
+              </a:ext>
+            </a:extLst>
+          </p:cNvPr>
+          <p:cNvSpPr>
+            <a:spLocks noGrp="1"/>
+          </p:cNvSpPr>
+          <p:nvPr>
+            <p:ph type="sldNum" sz="quarter" idx="4"/>
+          </p:nvPr>
+        </p:nvSpPr>
+        <p:spPr>
+          <a:xfrm>
+            <a:off x="8610600" y="6356350"/>
+            <a:ext cx="2743200" cy="365125"/>
+          </a:xfrm>
+          <a:prstGeom prst="rect">
+            <a:avLst/>
+          </a:prstGeom>
+        </p:spPr>
+        <p:txBody>
+          <a:bodyPr vert="horz" lIns="91440" tIns="45720" rIns="91440" bIns="45720" rtlCol="0" anchor="ctr"/>
+          <a:lstStyle>
+            <a:lvl1pPr algn="r">
+              <a:defRPr sz="1200">
+                <a:solidFill>
+                  <a:schemeClr val="tx1">
+                    <a:tint val="75000"/>
+                  </a:schemeClr>
+                </a:solidFill>
+              </a:defRPr>
+            </a:lvl1pPr>
+          </a:lstStyle>
+          <a:p>
+            <a:fld id="{CB10124F-3F54-42CB-9B6A-C78B4FF734B6}" type="slidenum">
+              <a:rPr lang="pt-BR" smtClean="0"/>
+              <a:t>‹nº›</a:t>
+            </a:fld>
+            <a:endParaRPr lang="pt-BR"/>
+          </a:p>
+        </p:txBody>
+      </p:sp>
+    </p:spTree>
+    <p:extLst>
+      <p:ext uri="{BB962C8B-B14F-4D97-AF65-F5344CB8AC3E}">
+        <p14:creationId xmlns:p14="http://schemas.microsoft.com/office/powerpoint/2010/main" val="4205076161"/>
+      </p:ext>
+    </p:extLst>
+  </p:cSld>
+  <p:clrMap bg1="lt1" tx1="dk1" bg2="lt2" tx2="dk2" accent1="accent1" accent2="accent2" accent3="accent3" accent4="accent4" accent5="accent5" accent6="accent6" hlink="hlink" folHlink="folHlink"/>
+  <p:sldLayoutIdLst>
+    <p:sldLayoutId id="2147483649" r:id="rId1"/>
   </p:sldLayoutIdLst>
   <p:txStyles>
     <p:titleStyle>
@@ -5234,7 +6311,7 @@
                   <a:latin typeface="Arial" panose="020B0604020202020204" pitchFamily="34" charset="0"/>
                   <a:cs typeface="Arial" panose="020B0604020202020204" pitchFamily="34" charset="0"/>
                 </a:rPr>
-                <a:t>O cliente poderá tomar conclusões e medidas para diminuir o tempo de descarregamento e assim fazendo com que aumente os lucros</a:t>
+                <a:t>O fiscal poderá tomar conclusões e medidas para diminuir o tempo de descarregamento e assim fazendo com que aumente os lucros</a:t>
               </a:r>
             </a:p>
           </p:txBody>
@@ -5333,9 +6410,9 @@
         <p:grpSpPr>
           <a:xfrm>
             <a:off x="7975736" y="4315401"/>
-            <a:ext cx="3525079" cy="2347364"/>
+            <a:ext cx="3525079" cy="2567606"/>
             <a:chOff x="7975736" y="4315401"/>
-            <a:chExt cx="3525079" cy="2347364"/>
+            <a:chExt cx="3525079" cy="2567606"/>
           </a:xfrm>
         </p:grpSpPr>
         <p:grpSp>
@@ -5504,7 +6581,7 @@
           <p:spPr>
             <a:xfrm>
               <a:off x="9545114" y="4574683"/>
-              <a:ext cx="1684653" cy="2031325"/>
+              <a:ext cx="1684653" cy="2308324"/>
             </a:xfrm>
             <a:prstGeom prst="rect">
               <a:avLst/>
@@ -5523,7 +6600,7 @@
                   <a:latin typeface="Arial" panose="020B0604020202020204" pitchFamily="34" charset="0"/>
                   <a:cs typeface="Arial" panose="020B0604020202020204" pitchFamily="34" charset="0"/>
                 </a:rPr>
-                <a:t>Esses registros serão graficamente visualizados pelo cliente</a:t>
+                <a:t>Esses registros serão graficamente visualizados pelo cliente e fiscal</a:t>
               </a:r>
             </a:p>
             <a:p>
@@ -5536,6 +6613,1445 @@
     <p:extLst>
       <p:ext uri="{BB962C8B-B14F-4D97-AF65-F5344CB8AC3E}">
         <p14:creationId xmlns:p14="http://schemas.microsoft.com/office/powerpoint/2010/main" val="1658985439"/>
+      </p:ext>
+    </p:extLst>
+  </p:cSld>
+  <p:clrMapOvr>
+    <a:masterClrMapping/>
+  </p:clrMapOvr>
+</p:sld>
+</file>
+
+<file path=ppt/slides/slide3.xml><?xml version="1.0" encoding="utf-8"?>
+<p:sld xmlns:a="http://schemas.openxmlformats.org/drawingml/2006/main" xmlns:r="http://schemas.openxmlformats.org/officeDocument/2006/relationships" xmlns:p="http://schemas.openxmlformats.org/presentationml/2006/main">
+  <p:cSld>
+    <p:spTree>
+      <p:nvGrpSpPr>
+        <p:cNvPr id="1" name=""/>
+        <p:cNvGrpSpPr/>
+        <p:nvPr/>
+      </p:nvGrpSpPr>
+      <p:grpSpPr>
+        <a:xfrm>
+          <a:off x="0" y="0"/>
+          <a:ext cx="0" cy="0"/>
+          <a:chOff x="0" y="0"/>
+          <a:chExt cx="0" cy="0"/>
+        </a:xfrm>
+      </p:grpSpPr>
+      <p:sp>
+        <p:nvSpPr>
+          <p:cNvPr id="4" name="Retângulo: Cantos Arredondados 3">
+            <a:extLst>
+              <a:ext uri="{FF2B5EF4-FFF2-40B4-BE49-F238E27FC236}">
+                <a16:creationId xmlns:a16="http://schemas.microsoft.com/office/drawing/2014/main" id="{4F62CB9B-5FD9-46C6-8048-4F0F64C8F073}"/>
+              </a:ext>
+            </a:extLst>
+          </p:cNvPr>
+          <p:cNvSpPr/>
+          <p:nvPr/>
+        </p:nvSpPr>
+        <p:spPr>
+          <a:xfrm>
+            <a:off x="202409" y="3525079"/>
+            <a:ext cx="6807991" cy="3022224"/>
+          </a:xfrm>
+          <a:prstGeom prst="roundRect">
+            <a:avLst/>
+          </a:prstGeom>
+          <a:noFill/>
+        </p:spPr>
+        <p:style>
+          <a:lnRef idx="2">
+            <a:schemeClr val="accent1">
+              <a:shade val="50000"/>
+            </a:schemeClr>
+          </a:lnRef>
+          <a:fillRef idx="1">
+            <a:schemeClr val="accent1"/>
+          </a:fillRef>
+          <a:effectRef idx="0">
+            <a:schemeClr val="accent1"/>
+          </a:effectRef>
+          <a:fontRef idx="minor">
+            <a:schemeClr val="lt1"/>
+          </a:fontRef>
+        </p:style>
+        <p:txBody>
+          <a:bodyPr rtlCol="0" anchor="ctr"/>
+          <a:lstStyle/>
+          <a:p>
+            <a:pPr algn="ctr"/>
+            <a:endParaRPr lang="pt-BR" dirty="0"/>
+          </a:p>
+        </p:txBody>
+      </p:sp>
+      <p:pic>
+        <p:nvPicPr>
+          <p:cNvPr id="1028" name="Picture 4">
+            <a:extLst>
+              <a:ext uri="{FF2B5EF4-FFF2-40B4-BE49-F238E27FC236}">
+                <a16:creationId xmlns:a16="http://schemas.microsoft.com/office/drawing/2014/main" id="{AB26BD02-2D83-4DEB-A0D2-96A978FE42D6}"/>
+              </a:ext>
+            </a:extLst>
+          </p:cNvPr>
+          <p:cNvPicPr>
+            <a:picLocks noChangeAspect="1" noChangeArrowheads="1"/>
+          </p:cNvPicPr>
+          <p:nvPr/>
+        </p:nvPicPr>
+        <p:blipFill>
+          <a:blip r:embed="rId2">
+            <a:extLst>
+              <a:ext uri="{28A0092B-C50C-407E-A947-70E740481C1C}">
+                <a14:useLocalDpi xmlns:a14="http://schemas.microsoft.com/office/drawing/2010/main" val="0"/>
+              </a:ext>
+            </a:extLst>
+          </a:blip>
+          <a:srcRect/>
+          <a:stretch>
+            <a:fillRect/>
+          </a:stretch>
+        </p:blipFill>
+        <p:spPr bwMode="auto">
+          <a:xfrm>
+            <a:off x="-77996" y="4262539"/>
+            <a:ext cx="3114676" cy="1814513"/>
+          </a:xfrm>
+          <a:prstGeom prst="rect">
+            <a:avLst/>
+          </a:prstGeom>
+          <a:noFill/>
+          <a:extLst>
+            <a:ext uri="{909E8E84-426E-40DD-AFC4-6F175D3DCCD1}">
+              <a14:hiddenFill xmlns:a14="http://schemas.microsoft.com/office/drawing/2010/main">
+                <a:solidFill>
+                  <a:srgbClr val="FFFFFF"/>
+                </a:solidFill>
+              </a14:hiddenFill>
+            </a:ext>
+          </a:extLst>
+        </p:spPr>
+      </p:pic>
+      <p:pic>
+        <p:nvPicPr>
+          <p:cNvPr id="1032" name="Picture 8" descr="Sensor de Temperatura LM35 - Primeiros Passos - Blog Usinainfo">
+            <a:extLst>
+              <a:ext uri="{FF2B5EF4-FFF2-40B4-BE49-F238E27FC236}">
+                <a16:creationId xmlns:a16="http://schemas.microsoft.com/office/drawing/2014/main" id="{D017606B-BBB8-4203-BF36-3E62A8BBD834}"/>
+              </a:ext>
+            </a:extLst>
+          </p:cNvPr>
+          <p:cNvPicPr>
+            <a:picLocks noChangeAspect="1" noChangeArrowheads="1"/>
+          </p:cNvPicPr>
+          <p:nvPr/>
+        </p:nvPicPr>
+        <p:blipFill>
+          <a:blip r:embed="rId3">
+            <a:extLst>
+              <a:ext uri="{28A0092B-C50C-407E-A947-70E740481C1C}">
+                <a14:useLocalDpi xmlns:a14="http://schemas.microsoft.com/office/drawing/2010/main" val="0"/>
+              </a:ext>
+            </a:extLst>
+          </a:blip>
+          <a:srcRect/>
+          <a:stretch>
+            <a:fillRect/>
+          </a:stretch>
+        </p:blipFill>
+        <p:spPr bwMode="auto">
+          <a:xfrm>
+            <a:off x="2440676" y="3619185"/>
+            <a:ext cx="4331184" cy="2807249"/>
+          </a:xfrm>
+          <a:prstGeom prst="rect">
+            <a:avLst/>
+          </a:prstGeom>
+          <a:noFill/>
+          <a:extLst>
+            <a:ext uri="{909E8E84-426E-40DD-AFC4-6F175D3DCCD1}">
+              <a14:hiddenFill xmlns:a14="http://schemas.microsoft.com/office/drawing/2010/main">
+                <a:solidFill>
+                  <a:srgbClr val="FFFFFF"/>
+                </a:solidFill>
+              </a14:hiddenFill>
+            </a:ext>
+          </a:extLst>
+        </p:spPr>
+      </p:pic>
+      <p:cxnSp>
+        <p:nvCxnSpPr>
+          <p:cNvPr id="17" name="Conector: Angulado 16">
+            <a:extLst>
+              <a:ext uri="{FF2B5EF4-FFF2-40B4-BE49-F238E27FC236}">
+                <a16:creationId xmlns:a16="http://schemas.microsoft.com/office/drawing/2014/main" id="{065498B4-F18E-47F8-BB12-8B0512380D3F}"/>
+              </a:ext>
+            </a:extLst>
+          </p:cNvPr>
+          <p:cNvCxnSpPr>
+            <a:cxnSpLocks/>
+          </p:cNvCxnSpPr>
+          <p:nvPr/>
+        </p:nvCxnSpPr>
+        <p:spPr>
+          <a:xfrm rot="10800000">
+            <a:off x="2440677" y="4863781"/>
+            <a:ext cx="1830193" cy="159028"/>
+          </a:xfrm>
+          <a:prstGeom prst="bentConnector3">
+            <a:avLst>
+              <a:gd name="adj1" fmla="val -686"/>
+            </a:avLst>
+          </a:prstGeom>
+          <a:ln>
+            <a:tailEnd type="triangle"/>
+          </a:ln>
+        </p:spPr>
+        <p:style>
+          <a:lnRef idx="1">
+            <a:schemeClr val="accent1"/>
+          </a:lnRef>
+          <a:fillRef idx="0">
+            <a:schemeClr val="accent1"/>
+          </a:fillRef>
+          <a:effectRef idx="0">
+            <a:schemeClr val="accent1"/>
+          </a:effectRef>
+          <a:fontRef idx="minor">
+            <a:schemeClr val="tx1"/>
+          </a:fontRef>
+        </p:style>
+      </p:cxnSp>
+      <p:sp>
+        <p:nvSpPr>
+          <p:cNvPr id="13" name="CaixaDeTexto 12">
+            <a:extLst>
+              <a:ext uri="{FF2B5EF4-FFF2-40B4-BE49-F238E27FC236}">
+                <a16:creationId xmlns:a16="http://schemas.microsoft.com/office/drawing/2014/main" id="{A209017A-B5F6-44BF-BB58-7F2BCEEC9153}"/>
+              </a:ext>
+            </a:extLst>
+          </p:cNvPr>
+          <p:cNvSpPr txBox="1"/>
+          <p:nvPr/>
+        </p:nvSpPr>
+        <p:spPr>
+          <a:xfrm>
+            <a:off x="2664392" y="3686928"/>
+            <a:ext cx="2057953" cy="1200329"/>
+          </a:xfrm>
+          <a:prstGeom prst="rect">
+            <a:avLst/>
+          </a:prstGeom>
+          <a:noFill/>
+        </p:spPr>
+        <p:txBody>
+          <a:bodyPr wrap="square" rtlCol="0">
+            <a:spAutoFit/>
+          </a:bodyPr>
+          <a:lstStyle/>
+          <a:p>
+            <a:pPr algn="ctr"/>
+            <a:r>
+              <a:rPr lang="pt-BR" dirty="0"/>
+              <a:t>Placa uno integrada com sensor LM35 instalada no container</a:t>
+            </a:r>
+          </a:p>
+        </p:txBody>
+      </p:sp>
+      <p:cxnSp>
+        <p:nvCxnSpPr>
+          <p:cNvPr id="16" name="Conector reto 15">
+            <a:extLst>
+              <a:ext uri="{FF2B5EF4-FFF2-40B4-BE49-F238E27FC236}">
+                <a16:creationId xmlns:a16="http://schemas.microsoft.com/office/drawing/2014/main" id="{A85C70EB-6DFA-4D61-9AAF-F5632B9F8A41}"/>
+              </a:ext>
+            </a:extLst>
+          </p:cNvPr>
+          <p:cNvCxnSpPr>
+            <a:cxnSpLocks/>
+          </p:cNvCxnSpPr>
+          <p:nvPr/>
+        </p:nvCxnSpPr>
+        <p:spPr>
+          <a:xfrm>
+            <a:off x="7010400" y="5827833"/>
+            <a:ext cx="1191177" cy="0"/>
+          </a:xfrm>
+          <a:prstGeom prst="line">
+            <a:avLst/>
+          </a:prstGeom>
+        </p:spPr>
+        <p:style>
+          <a:lnRef idx="1">
+            <a:schemeClr val="accent1"/>
+          </a:lnRef>
+          <a:fillRef idx="0">
+            <a:schemeClr val="accent1"/>
+          </a:fillRef>
+          <a:effectRef idx="0">
+            <a:schemeClr val="accent1"/>
+          </a:effectRef>
+          <a:fontRef idx="minor">
+            <a:schemeClr val="tx1"/>
+          </a:fontRef>
+        </p:style>
+      </p:cxnSp>
+      <p:cxnSp>
+        <p:nvCxnSpPr>
+          <p:cNvPr id="20" name="Conector reto 19">
+            <a:extLst>
+              <a:ext uri="{FF2B5EF4-FFF2-40B4-BE49-F238E27FC236}">
+                <a16:creationId xmlns:a16="http://schemas.microsoft.com/office/drawing/2014/main" id="{B30C3042-3F1E-49E8-AF21-BC4C3B8DEF07}"/>
+              </a:ext>
+            </a:extLst>
+          </p:cNvPr>
+          <p:cNvCxnSpPr>
+            <a:cxnSpLocks/>
+          </p:cNvCxnSpPr>
+          <p:nvPr/>
+        </p:nvCxnSpPr>
+        <p:spPr>
+          <a:xfrm flipH="1" flipV="1">
+            <a:off x="10041120" y="4383675"/>
+            <a:ext cx="9039" cy="676542"/>
+          </a:xfrm>
+          <a:prstGeom prst="line">
+            <a:avLst/>
+          </a:prstGeom>
+        </p:spPr>
+        <p:style>
+          <a:lnRef idx="1">
+            <a:schemeClr val="accent1"/>
+          </a:lnRef>
+          <a:fillRef idx="0">
+            <a:schemeClr val="accent1"/>
+          </a:fillRef>
+          <a:effectRef idx="0">
+            <a:schemeClr val="accent1"/>
+          </a:effectRef>
+          <a:fontRef idx="minor">
+            <a:schemeClr val="tx1"/>
+          </a:fontRef>
+        </p:style>
+      </p:cxnSp>
+      <p:sp>
+        <p:nvSpPr>
+          <p:cNvPr id="23" name="Retângulo: Cantos Arredondados 22">
+            <a:extLst>
+              <a:ext uri="{FF2B5EF4-FFF2-40B4-BE49-F238E27FC236}">
+                <a16:creationId xmlns:a16="http://schemas.microsoft.com/office/drawing/2014/main" id="{FB9B7D90-CB5C-427C-A80E-C741D2799165}"/>
+              </a:ext>
+            </a:extLst>
+          </p:cNvPr>
+          <p:cNvSpPr/>
+          <p:nvPr/>
+        </p:nvSpPr>
+        <p:spPr>
+          <a:xfrm>
+            <a:off x="2887580" y="586272"/>
+            <a:ext cx="8814542" cy="2596601"/>
+          </a:xfrm>
+          <a:prstGeom prst="roundRect">
+            <a:avLst/>
+          </a:prstGeom>
+          <a:noFill/>
+        </p:spPr>
+        <p:style>
+          <a:lnRef idx="2">
+            <a:schemeClr val="accent1">
+              <a:shade val="50000"/>
+            </a:schemeClr>
+          </a:lnRef>
+          <a:fillRef idx="1">
+            <a:schemeClr val="accent1"/>
+          </a:fillRef>
+          <a:effectRef idx="0">
+            <a:schemeClr val="accent1"/>
+          </a:effectRef>
+          <a:fontRef idx="minor">
+            <a:schemeClr val="lt1"/>
+          </a:fontRef>
+        </p:style>
+        <p:txBody>
+          <a:bodyPr rtlCol="0" anchor="ctr"/>
+          <a:lstStyle/>
+          <a:p>
+            <a:pPr algn="ctr"/>
+            <a:endParaRPr lang="pt-BR"/>
+          </a:p>
+        </p:txBody>
+      </p:sp>
+      <p:pic>
+        <p:nvPicPr>
+          <p:cNvPr id="1046" name="Picture 22" descr="Por que aprender Node.js? 8 Casos reais! – LuizTools">
+            <a:extLst>
+              <a:ext uri="{FF2B5EF4-FFF2-40B4-BE49-F238E27FC236}">
+                <a16:creationId xmlns:a16="http://schemas.microsoft.com/office/drawing/2014/main" id="{C9B6AD53-9147-476E-82B7-B7723CFB8BC0}"/>
+              </a:ext>
+            </a:extLst>
+          </p:cNvPr>
+          <p:cNvPicPr>
+            <a:picLocks noChangeAspect="1" noChangeArrowheads="1"/>
+          </p:cNvPicPr>
+          <p:nvPr/>
+        </p:nvPicPr>
+        <p:blipFill>
+          <a:blip r:embed="rId4">
+            <a:extLst>
+              <a:ext uri="{28A0092B-C50C-407E-A947-70E740481C1C}">
+                <a14:useLocalDpi xmlns:a14="http://schemas.microsoft.com/office/drawing/2010/main" val="0"/>
+              </a:ext>
+            </a:extLst>
+          </a:blip>
+          <a:srcRect/>
+          <a:stretch>
+            <a:fillRect/>
+          </a:stretch>
+        </p:blipFill>
+        <p:spPr bwMode="auto">
+          <a:xfrm>
+            <a:off x="7306116" y="1274169"/>
+            <a:ext cx="1088455" cy="544228"/>
+          </a:xfrm>
+          <a:prstGeom prst="rect">
+            <a:avLst/>
+          </a:prstGeom>
+          <a:noFill/>
+          <a:extLst>
+            <a:ext uri="{909E8E84-426E-40DD-AFC4-6F175D3DCCD1}">
+              <a14:hiddenFill xmlns:a14="http://schemas.microsoft.com/office/drawing/2010/main">
+                <a:solidFill>
+                  <a:srgbClr val="FFFFFF"/>
+                </a:solidFill>
+              </a14:hiddenFill>
+            </a:ext>
+          </a:extLst>
+        </p:spPr>
+      </p:pic>
+      <p:pic>
+        <p:nvPicPr>
+          <p:cNvPr id="1048" name="Picture 24">
+            <a:extLst>
+              <a:ext uri="{FF2B5EF4-FFF2-40B4-BE49-F238E27FC236}">
+                <a16:creationId xmlns:a16="http://schemas.microsoft.com/office/drawing/2014/main" id="{00E9B902-01F5-4FE0-A9AC-34063B902155}"/>
+              </a:ext>
+            </a:extLst>
+          </p:cNvPr>
+          <p:cNvPicPr>
+            <a:picLocks noChangeAspect="1" noChangeArrowheads="1"/>
+          </p:cNvPicPr>
+          <p:nvPr/>
+        </p:nvPicPr>
+        <p:blipFill>
+          <a:blip r:embed="rId5">
+            <a:extLst>
+              <a:ext uri="{28A0092B-C50C-407E-A947-70E740481C1C}">
+                <a14:useLocalDpi xmlns:a14="http://schemas.microsoft.com/office/drawing/2010/main" val="0"/>
+              </a:ext>
+            </a:extLst>
+          </a:blip>
+          <a:srcRect/>
+          <a:stretch>
+            <a:fillRect/>
+          </a:stretch>
+        </p:blipFill>
+        <p:spPr bwMode="auto">
+          <a:xfrm>
+            <a:off x="7374922" y="1808403"/>
+            <a:ext cx="612743" cy="417005"/>
+          </a:xfrm>
+          <a:prstGeom prst="rect">
+            <a:avLst/>
+          </a:prstGeom>
+          <a:noFill/>
+          <a:extLst>
+            <a:ext uri="{909E8E84-426E-40DD-AFC4-6F175D3DCCD1}">
+              <a14:hiddenFill xmlns:a14="http://schemas.microsoft.com/office/drawing/2010/main">
+                <a:solidFill>
+                  <a:srgbClr val="FFFFFF"/>
+                </a:solidFill>
+              </a14:hiddenFill>
+            </a:ext>
+          </a:extLst>
+        </p:spPr>
+      </p:pic>
+      <p:pic>
+        <p:nvPicPr>
+          <p:cNvPr id="1050" name="Picture 26">
+            <a:extLst>
+              <a:ext uri="{FF2B5EF4-FFF2-40B4-BE49-F238E27FC236}">
+                <a16:creationId xmlns:a16="http://schemas.microsoft.com/office/drawing/2014/main" id="{D2ECB03E-BC4D-4E2E-B7B6-8FD236CB4CAC}"/>
+              </a:ext>
+            </a:extLst>
+          </p:cNvPr>
+          <p:cNvPicPr>
+            <a:picLocks noChangeAspect="1" noChangeArrowheads="1"/>
+          </p:cNvPicPr>
+          <p:nvPr/>
+        </p:nvPicPr>
+        <p:blipFill>
+          <a:blip r:embed="rId6">
+            <a:extLst>
+              <a:ext uri="{28A0092B-C50C-407E-A947-70E740481C1C}">
+                <a14:useLocalDpi xmlns:a14="http://schemas.microsoft.com/office/drawing/2010/main" val="0"/>
+              </a:ext>
+            </a:extLst>
+          </a:blip>
+          <a:srcRect/>
+          <a:stretch>
+            <a:fillRect/>
+          </a:stretch>
+        </p:blipFill>
+        <p:spPr bwMode="auto">
+          <a:xfrm>
+            <a:off x="5455805" y="126708"/>
+            <a:ext cx="3380959" cy="3558904"/>
+          </a:xfrm>
+          <a:prstGeom prst="rect">
+            <a:avLst/>
+          </a:prstGeom>
+          <a:noFill/>
+          <a:extLst>
+            <a:ext uri="{909E8E84-426E-40DD-AFC4-6F175D3DCCD1}">
+              <a14:hiddenFill xmlns:a14="http://schemas.microsoft.com/office/drawing/2010/main">
+                <a:solidFill>
+                  <a:srgbClr val="FFFFFF"/>
+                </a:solidFill>
+              </a14:hiddenFill>
+            </a:ext>
+          </a:extLst>
+        </p:spPr>
+      </p:pic>
+      <p:pic>
+        <p:nvPicPr>
+          <p:cNvPr id="1052" name="Picture 28">
+            <a:extLst>
+              <a:ext uri="{FF2B5EF4-FFF2-40B4-BE49-F238E27FC236}">
+                <a16:creationId xmlns:a16="http://schemas.microsoft.com/office/drawing/2014/main" id="{CAFB1681-37CE-47EB-A9DD-74BAF1351978}"/>
+              </a:ext>
+            </a:extLst>
+          </p:cNvPr>
+          <p:cNvPicPr>
+            <a:picLocks noChangeAspect="1" noChangeArrowheads="1"/>
+          </p:cNvPicPr>
+          <p:nvPr/>
+        </p:nvPicPr>
+        <p:blipFill>
+          <a:blip r:embed="rId7">
+            <a:extLst>
+              <a:ext uri="{28A0092B-C50C-407E-A947-70E740481C1C}">
+                <a14:useLocalDpi xmlns:a14="http://schemas.microsoft.com/office/drawing/2010/main" val="0"/>
+              </a:ext>
+            </a:extLst>
+          </a:blip>
+          <a:srcRect/>
+          <a:stretch>
+            <a:fillRect/>
+          </a:stretch>
+        </p:blipFill>
+        <p:spPr bwMode="auto">
+          <a:xfrm>
+            <a:off x="5837547" y="1087396"/>
+            <a:ext cx="1511769" cy="1461178"/>
+          </a:xfrm>
+          <a:prstGeom prst="rect">
+            <a:avLst/>
+          </a:prstGeom>
+          <a:noFill/>
+          <a:extLst>
+            <a:ext uri="{909E8E84-426E-40DD-AFC4-6F175D3DCCD1}">
+              <a14:hiddenFill xmlns:a14="http://schemas.microsoft.com/office/drawing/2010/main">
+                <a:solidFill>
+                  <a:srgbClr val="FFFFFF"/>
+                </a:solidFill>
+              </a14:hiddenFill>
+            </a:ext>
+          </a:extLst>
+        </p:spPr>
+      </p:pic>
+      <p:sp>
+        <p:nvSpPr>
+          <p:cNvPr id="26" name="CaixaDeTexto 25">
+            <a:extLst>
+              <a:ext uri="{FF2B5EF4-FFF2-40B4-BE49-F238E27FC236}">
+                <a16:creationId xmlns:a16="http://schemas.microsoft.com/office/drawing/2014/main" id="{A27EF95B-2AEE-4682-B8D0-AF2C76BD6A7C}"/>
+              </a:ext>
+            </a:extLst>
+          </p:cNvPr>
+          <p:cNvSpPr txBox="1"/>
+          <p:nvPr/>
+        </p:nvSpPr>
+        <p:spPr>
+          <a:xfrm>
+            <a:off x="3133874" y="695776"/>
+            <a:ext cx="2388588" cy="2708434"/>
+          </a:xfrm>
+          <a:prstGeom prst="rect">
+            <a:avLst/>
+          </a:prstGeom>
+          <a:noFill/>
+        </p:spPr>
+        <p:txBody>
+          <a:bodyPr wrap="square" lIns="91440" tIns="45720" rIns="91440" bIns="45720" rtlCol="0" anchor="t">
+            <a:spAutoFit/>
+          </a:bodyPr>
+          <a:lstStyle/>
+          <a:p>
+            <a:r>
+              <a:rPr lang="pt-BR" dirty="0"/>
+              <a:t>Aparelho do usuário/Fiscal. </a:t>
+            </a:r>
+          </a:p>
+          <a:p>
+            <a:r>
+              <a:rPr lang="pt-BR" dirty="0"/>
+              <a:t>Ideia de Notebook:</a:t>
+            </a:r>
+          </a:p>
+          <a:p>
+            <a:r>
+              <a:rPr lang="pt-BR" sz="1400" dirty="0"/>
+              <a:t> Intel Core i5-8265U (1.6 GHz até 3.9 GHz, cache de 6MB, quad-core, 8ª geração)</a:t>
+            </a:r>
+          </a:p>
+          <a:p>
+            <a:r>
+              <a:rPr lang="pt-BR" sz="1400" dirty="0"/>
+              <a:t>Placa de vídeo integrada Intel UHD Graphics 620 com memória gráfica compartilhada.</a:t>
+            </a:r>
+            <a:endParaRPr lang="pt-BR" sz="1100" dirty="0"/>
+          </a:p>
+          <a:p>
+            <a:endParaRPr lang="pt-BR" dirty="0"/>
+          </a:p>
+        </p:txBody>
+      </p:sp>
+      <p:sp>
+        <p:nvSpPr>
+          <p:cNvPr id="5" name="TextBox 4">
+            <a:extLst>
+              <a:ext uri="{FF2B5EF4-FFF2-40B4-BE49-F238E27FC236}">
+                <a16:creationId xmlns:a16="http://schemas.microsoft.com/office/drawing/2014/main" id="{482DF699-6BEB-4728-B55B-044B493FF6B5}"/>
+              </a:ext>
+            </a:extLst>
+          </p:cNvPr>
+          <p:cNvSpPr txBox="1"/>
+          <p:nvPr/>
+        </p:nvSpPr>
+        <p:spPr>
+          <a:xfrm>
+            <a:off x="5247763" y="6230988"/>
+            <a:ext cx="2743199" cy="369332"/>
+          </a:xfrm>
+          <a:prstGeom prst="rect">
+            <a:avLst/>
+          </a:prstGeom>
+          <a:noFill/>
+        </p:spPr>
+        <p:txBody>
+          <a:bodyPr rot="0" spcFirstLastPara="0" vertOverflow="overflow" horzOverflow="overflow" vert="horz" wrap="square" lIns="91440" tIns="45720" rIns="91440" bIns="45720" numCol="1" spcCol="0" rtlCol="0" fromWordArt="0" anchor="t" anchorCtr="0" forceAA="0" compatLnSpc="1">
+            <a:prstTxWarp prst="textNoShape">
+              <a:avLst/>
+            </a:prstTxWarp>
+            <a:spAutoFit/>
+          </a:bodyPr>
+          <a:lstStyle/>
+          <a:p>
+            <a:pPr algn="l"/>
+            <a:r>
+              <a:rPr lang="en-US" dirty="0">
+                <a:cs typeface="Calibri"/>
+              </a:rPr>
+              <a:t>Protobar</a:t>
+            </a:r>
+          </a:p>
+        </p:txBody>
+      </p:sp>
+      <p:cxnSp>
+        <p:nvCxnSpPr>
+          <p:cNvPr id="6" name="Straight Arrow Connector 5">
+            <a:extLst>
+              <a:ext uri="{FF2B5EF4-FFF2-40B4-BE49-F238E27FC236}">
+                <a16:creationId xmlns:a16="http://schemas.microsoft.com/office/drawing/2014/main" id="{DF56E290-B842-47E4-BD61-E6E5BDA94C1A}"/>
+              </a:ext>
+            </a:extLst>
+          </p:cNvPr>
+          <p:cNvCxnSpPr/>
+          <p:nvPr/>
+        </p:nvCxnSpPr>
+        <p:spPr>
+          <a:xfrm flipH="1" flipV="1">
+            <a:off x="5728213" y="6027275"/>
+            <a:ext cx="3277" cy="298246"/>
+          </a:xfrm>
+          <a:prstGeom prst="straightConnector1">
+            <a:avLst/>
+          </a:prstGeom>
+          <a:ln>
+            <a:tailEnd type="triangle"/>
+          </a:ln>
+        </p:spPr>
+        <p:style>
+          <a:lnRef idx="1">
+            <a:schemeClr val="accent1"/>
+          </a:lnRef>
+          <a:fillRef idx="0">
+            <a:schemeClr val="accent1"/>
+          </a:fillRef>
+          <a:effectRef idx="0">
+            <a:schemeClr val="accent1"/>
+          </a:effectRef>
+          <a:fontRef idx="minor">
+            <a:schemeClr val="tx1"/>
+          </a:fontRef>
+        </p:style>
+      </p:cxnSp>
+      <p:sp>
+        <p:nvSpPr>
+          <p:cNvPr id="2" name="CaixaDeTexto 1">
+            <a:extLst>
+              <a:ext uri="{FF2B5EF4-FFF2-40B4-BE49-F238E27FC236}">
+                <a16:creationId xmlns:a16="http://schemas.microsoft.com/office/drawing/2014/main" id="{ABDCE5E0-51D5-4C32-ADC8-33961F59B8A1}"/>
+              </a:ext>
+            </a:extLst>
+          </p:cNvPr>
+          <p:cNvSpPr txBox="1"/>
+          <p:nvPr/>
+        </p:nvSpPr>
+        <p:spPr>
+          <a:xfrm>
+            <a:off x="9951849" y="5379176"/>
+            <a:ext cx="1599131" cy="907941"/>
+          </a:xfrm>
+          <a:prstGeom prst="rect">
+            <a:avLst/>
+          </a:prstGeom>
+          <a:noFill/>
+        </p:spPr>
+        <p:txBody>
+          <a:bodyPr wrap="square" rtlCol="0">
+            <a:spAutoFit/>
+          </a:bodyPr>
+          <a:lstStyle/>
+          <a:p>
+            <a:r>
+              <a:rPr lang="pt-BR" sz="1200" b="1" dirty="0"/>
+              <a:t>-Inmarsat fleet one</a:t>
+            </a:r>
+          </a:p>
+          <a:p>
+            <a:r>
+              <a:rPr lang="pt-BR" sz="1000" b="0" i="0" dirty="0">
+                <a:solidFill>
+                  <a:srgbClr val="363636"/>
+                </a:solidFill>
+                <a:effectLst/>
+                <a:latin typeface="HelveticaNeue-Light"/>
+              </a:rPr>
+              <a:t>banda larga - alimentado por rede global de satélites mais avançadas e </a:t>
+            </a:r>
+            <a:r>
+              <a:rPr lang="pt-BR" sz="1100" b="0" i="0" dirty="0">
+                <a:solidFill>
+                  <a:srgbClr val="363636"/>
+                </a:solidFill>
+                <a:effectLst/>
+                <a:latin typeface="HelveticaNeue-Light"/>
+              </a:rPr>
+              <a:t>confiáveis do mundo</a:t>
+            </a:r>
+            <a:endParaRPr lang="pt-BR" sz="1100" dirty="0"/>
+          </a:p>
+        </p:txBody>
+      </p:sp>
+      <p:pic>
+        <p:nvPicPr>
+          <p:cNvPr id="9" name="Imagem 8">
+            <a:extLst>
+              <a:ext uri="{FF2B5EF4-FFF2-40B4-BE49-F238E27FC236}">
+                <a16:creationId xmlns:a16="http://schemas.microsoft.com/office/drawing/2014/main" id="{B95C8445-B572-4FD2-A7C7-CFAAFF3D05C0}"/>
+              </a:ext>
+            </a:extLst>
+          </p:cNvPr>
+          <p:cNvPicPr>
+            <a:picLocks noChangeAspect="1"/>
+          </p:cNvPicPr>
+          <p:nvPr/>
+        </p:nvPicPr>
+        <p:blipFill>
+          <a:blip r:embed="rId8"/>
+          <a:stretch>
+            <a:fillRect/>
+          </a:stretch>
+        </p:blipFill>
+        <p:spPr>
+          <a:xfrm>
+            <a:off x="8360136" y="5361413"/>
+            <a:ext cx="1551798" cy="946860"/>
+          </a:xfrm>
+          <a:prstGeom prst="rect">
+            <a:avLst/>
+          </a:prstGeom>
+        </p:spPr>
+      </p:pic>
+      <p:sp>
+        <p:nvSpPr>
+          <p:cNvPr id="10" name="Retângulo 9">
+            <a:extLst>
+              <a:ext uri="{FF2B5EF4-FFF2-40B4-BE49-F238E27FC236}">
+                <a16:creationId xmlns:a16="http://schemas.microsoft.com/office/drawing/2014/main" id="{98D4B05B-915C-4CB0-BE9B-F5C642107921}"/>
+              </a:ext>
+            </a:extLst>
+          </p:cNvPr>
+          <p:cNvSpPr/>
+          <p:nvPr/>
+        </p:nvSpPr>
+        <p:spPr>
+          <a:xfrm>
+            <a:off x="3128280" y="725530"/>
+            <a:ext cx="2327525" cy="2318084"/>
+          </a:xfrm>
+          <a:prstGeom prst="rect">
+            <a:avLst/>
+          </a:prstGeom>
+          <a:noFill/>
+        </p:spPr>
+        <p:style>
+          <a:lnRef idx="2">
+            <a:schemeClr val="accent1">
+              <a:shade val="50000"/>
+            </a:schemeClr>
+          </a:lnRef>
+          <a:fillRef idx="1">
+            <a:schemeClr val="accent1"/>
+          </a:fillRef>
+          <a:effectRef idx="0">
+            <a:schemeClr val="accent1"/>
+          </a:effectRef>
+          <a:fontRef idx="minor">
+            <a:schemeClr val="lt1"/>
+          </a:fontRef>
+        </p:style>
+        <p:txBody>
+          <a:bodyPr rtlCol="0" anchor="ctr"/>
+          <a:lstStyle/>
+          <a:p>
+            <a:pPr algn="ctr"/>
+            <a:endParaRPr lang="pt-BR"/>
+          </a:p>
+        </p:txBody>
+      </p:sp>
+      <p:sp>
+        <p:nvSpPr>
+          <p:cNvPr id="11" name="CaixaDeTexto 10">
+            <a:extLst>
+              <a:ext uri="{FF2B5EF4-FFF2-40B4-BE49-F238E27FC236}">
+                <a16:creationId xmlns:a16="http://schemas.microsoft.com/office/drawing/2014/main" id="{60763897-1B11-4FE4-8D97-C06C47EB9B7C}"/>
+              </a:ext>
+            </a:extLst>
+          </p:cNvPr>
+          <p:cNvSpPr txBox="1"/>
+          <p:nvPr/>
+        </p:nvSpPr>
+        <p:spPr>
+          <a:xfrm>
+            <a:off x="8532737" y="1255056"/>
+            <a:ext cx="1238224" cy="615553"/>
+          </a:xfrm>
+          <a:prstGeom prst="rect">
+            <a:avLst/>
+          </a:prstGeom>
+          <a:noFill/>
+        </p:spPr>
+        <p:txBody>
+          <a:bodyPr wrap="none" rtlCol="0">
+            <a:spAutoFit/>
+          </a:bodyPr>
+          <a:lstStyle/>
+          <a:p>
+            <a:r>
+              <a:rPr lang="pt-BR" dirty="0"/>
+              <a:t>-</a:t>
+            </a:r>
+            <a:r>
+              <a:rPr lang="pt-BR" sz="1600" dirty="0"/>
+              <a:t>Node JS</a:t>
+            </a:r>
+          </a:p>
+          <a:p>
+            <a:r>
+              <a:rPr lang="pt-BR" sz="1600" dirty="0"/>
+              <a:t>-IDE Arduino</a:t>
+            </a:r>
+          </a:p>
+        </p:txBody>
+      </p:sp>
+      <p:cxnSp>
+        <p:nvCxnSpPr>
+          <p:cNvPr id="15" name="Conector: Angulado 14">
+            <a:extLst>
+              <a:ext uri="{FF2B5EF4-FFF2-40B4-BE49-F238E27FC236}">
+                <a16:creationId xmlns:a16="http://schemas.microsoft.com/office/drawing/2014/main" id="{48CAA9A7-694E-4ACB-8BCE-9033ECA4101C}"/>
+              </a:ext>
+            </a:extLst>
+          </p:cNvPr>
+          <p:cNvCxnSpPr>
+            <a:cxnSpLocks/>
+            <a:endCxn id="18" idx="2"/>
+          </p:cNvCxnSpPr>
+          <p:nvPr/>
+        </p:nvCxnSpPr>
+        <p:spPr>
+          <a:xfrm>
+            <a:off x="6836648" y="1953827"/>
+            <a:ext cx="2315201" cy="145999"/>
+          </a:xfrm>
+          <a:prstGeom prst="bentConnector4">
+            <a:avLst>
+              <a:gd name="adj1" fmla="val 36252"/>
+              <a:gd name="adj2" fmla="val 256576"/>
+            </a:avLst>
+          </a:prstGeom>
+          <a:ln>
+            <a:tailEnd type="triangle"/>
+          </a:ln>
+        </p:spPr>
+        <p:style>
+          <a:lnRef idx="1">
+            <a:schemeClr val="accent1"/>
+          </a:lnRef>
+          <a:fillRef idx="0">
+            <a:schemeClr val="accent1"/>
+          </a:fillRef>
+          <a:effectRef idx="0">
+            <a:schemeClr val="accent1"/>
+          </a:effectRef>
+          <a:fontRef idx="minor">
+            <a:schemeClr val="tx1"/>
+          </a:fontRef>
+        </p:style>
+      </p:cxnSp>
+      <p:sp>
+        <p:nvSpPr>
+          <p:cNvPr id="18" name="CaixaDeTexto 17">
+            <a:extLst>
+              <a:ext uri="{FF2B5EF4-FFF2-40B4-BE49-F238E27FC236}">
+                <a16:creationId xmlns:a16="http://schemas.microsoft.com/office/drawing/2014/main" id="{4A61A5CA-F0F6-474A-B990-4F2DA893ECB9}"/>
+              </a:ext>
+            </a:extLst>
+          </p:cNvPr>
+          <p:cNvSpPr txBox="1"/>
+          <p:nvPr/>
+        </p:nvSpPr>
+        <p:spPr>
+          <a:xfrm>
+            <a:off x="8515264" y="1730494"/>
+            <a:ext cx="1273169" cy="369332"/>
+          </a:xfrm>
+          <a:prstGeom prst="rect">
+            <a:avLst/>
+          </a:prstGeom>
+          <a:noFill/>
+        </p:spPr>
+        <p:txBody>
+          <a:bodyPr wrap="none" rtlCol="0">
+            <a:spAutoFit/>
+          </a:bodyPr>
+          <a:lstStyle/>
+          <a:p>
+            <a:r>
+              <a:rPr lang="pt-BR" dirty="0"/>
+              <a:t>-Dashboard</a:t>
+            </a:r>
+          </a:p>
+        </p:txBody>
+      </p:sp>
+      <p:sp>
+        <p:nvSpPr>
+          <p:cNvPr id="19" name="Retângulo: Cantos Arredondados 18">
+            <a:extLst>
+              <a:ext uri="{FF2B5EF4-FFF2-40B4-BE49-F238E27FC236}">
+                <a16:creationId xmlns:a16="http://schemas.microsoft.com/office/drawing/2014/main" id="{77E9556D-E319-41DB-BEC3-C15A0424AFAD}"/>
+              </a:ext>
+            </a:extLst>
+          </p:cNvPr>
+          <p:cNvSpPr/>
+          <p:nvPr/>
+        </p:nvSpPr>
+        <p:spPr>
+          <a:xfrm>
+            <a:off x="8201577" y="5080660"/>
+            <a:ext cx="3500545" cy="1354501"/>
+          </a:xfrm>
+          <a:prstGeom prst="roundRect">
+            <a:avLst/>
+          </a:prstGeom>
+          <a:noFill/>
+        </p:spPr>
+        <p:style>
+          <a:lnRef idx="2">
+            <a:schemeClr val="accent1">
+              <a:shade val="50000"/>
+            </a:schemeClr>
+          </a:lnRef>
+          <a:fillRef idx="1">
+            <a:schemeClr val="accent1"/>
+          </a:fillRef>
+          <a:effectRef idx="0">
+            <a:schemeClr val="accent1"/>
+          </a:effectRef>
+          <a:fontRef idx="minor">
+            <a:schemeClr val="lt1"/>
+          </a:fontRef>
+        </p:style>
+        <p:txBody>
+          <a:bodyPr rtlCol="0" anchor="ctr"/>
+          <a:lstStyle/>
+          <a:p>
+            <a:pPr algn="ctr"/>
+            <a:endParaRPr lang="pt-BR"/>
+          </a:p>
+        </p:txBody>
+      </p:sp>
+      <p:sp>
+        <p:nvSpPr>
+          <p:cNvPr id="29" name="CaixaDeTexto 28">
+            <a:extLst>
+              <a:ext uri="{FF2B5EF4-FFF2-40B4-BE49-F238E27FC236}">
+                <a16:creationId xmlns:a16="http://schemas.microsoft.com/office/drawing/2014/main" id="{22C72A65-7E86-483E-A7B9-F4D739406D1F}"/>
+              </a:ext>
+            </a:extLst>
+          </p:cNvPr>
+          <p:cNvSpPr txBox="1"/>
+          <p:nvPr/>
+        </p:nvSpPr>
+        <p:spPr>
+          <a:xfrm>
+            <a:off x="9795742" y="5022809"/>
+            <a:ext cx="1802994" cy="369332"/>
+          </a:xfrm>
+          <a:prstGeom prst="rect">
+            <a:avLst/>
+          </a:prstGeom>
+          <a:noFill/>
+        </p:spPr>
+        <p:txBody>
+          <a:bodyPr wrap="none" rtlCol="0">
+            <a:spAutoFit/>
+          </a:bodyPr>
+          <a:lstStyle/>
+          <a:p>
+            <a:r>
+              <a:rPr lang="pt-BR" dirty="0"/>
+              <a:t>Satélite Marítima</a:t>
+            </a:r>
+          </a:p>
+        </p:txBody>
+      </p:sp>
+      <p:pic>
+        <p:nvPicPr>
+          <p:cNvPr id="1026" name="Picture 2" descr="Ver a imagem de origem">
+            <a:extLst>
+              <a:ext uri="{FF2B5EF4-FFF2-40B4-BE49-F238E27FC236}">
+                <a16:creationId xmlns:a16="http://schemas.microsoft.com/office/drawing/2014/main" id="{E4E97064-9280-489D-AAE3-33C4C72412A9}"/>
+              </a:ext>
+            </a:extLst>
+          </p:cNvPr>
+          <p:cNvPicPr>
+            <a:picLocks noChangeAspect="1" noChangeArrowheads="1"/>
+          </p:cNvPicPr>
+          <p:nvPr/>
+        </p:nvPicPr>
+        <p:blipFill>
+          <a:blip r:embed="rId9">
+            <a:extLst>
+              <a:ext uri="{28A0092B-C50C-407E-A947-70E740481C1C}">
+                <a14:useLocalDpi xmlns:a14="http://schemas.microsoft.com/office/drawing/2010/main" val="0"/>
+              </a:ext>
+            </a:extLst>
+          </a:blip>
+          <a:srcRect/>
+          <a:stretch>
+            <a:fillRect/>
+          </a:stretch>
+        </p:blipFill>
+        <p:spPr bwMode="auto">
+          <a:xfrm>
+            <a:off x="9661257" y="3747971"/>
+            <a:ext cx="759723" cy="759723"/>
+          </a:xfrm>
+          <a:prstGeom prst="rect">
+            <a:avLst/>
+          </a:prstGeom>
+          <a:noFill/>
+          <a:extLst>
+            <a:ext uri="{909E8E84-426E-40DD-AFC4-6F175D3DCCD1}">
+              <a14:hiddenFill xmlns:a14="http://schemas.microsoft.com/office/drawing/2010/main">
+                <a:solidFill>
+                  <a:srgbClr val="FFFFFF"/>
+                </a:solidFill>
+              </a14:hiddenFill>
+            </a:ext>
+          </a:extLst>
+        </p:spPr>
+      </p:pic>
+      <p:sp>
+        <p:nvSpPr>
+          <p:cNvPr id="31" name="CaixaDeTexto 30">
+            <a:extLst>
+              <a:ext uri="{FF2B5EF4-FFF2-40B4-BE49-F238E27FC236}">
+                <a16:creationId xmlns:a16="http://schemas.microsoft.com/office/drawing/2014/main" id="{7D1D7BBC-C6D8-4373-99DE-56F5313CF4DA}"/>
+              </a:ext>
+            </a:extLst>
+          </p:cNvPr>
+          <p:cNvSpPr txBox="1"/>
+          <p:nvPr/>
+        </p:nvSpPr>
+        <p:spPr>
+          <a:xfrm>
+            <a:off x="9578625" y="3553084"/>
+            <a:ext cx="2898414" cy="369332"/>
+          </a:xfrm>
+          <a:prstGeom prst="rect">
+            <a:avLst/>
+          </a:prstGeom>
+          <a:noFill/>
+        </p:spPr>
+        <p:txBody>
+          <a:bodyPr wrap="square" rtlCol="0">
+            <a:spAutoFit/>
+          </a:bodyPr>
+          <a:lstStyle/>
+          <a:p>
+            <a:r>
+              <a:rPr lang="pt-BR" dirty="0"/>
+              <a:t>Internet</a:t>
+            </a:r>
+          </a:p>
+        </p:txBody>
+      </p:sp>
+      <p:cxnSp>
+        <p:nvCxnSpPr>
+          <p:cNvPr id="39" name="Conector reto 38">
+            <a:extLst>
+              <a:ext uri="{FF2B5EF4-FFF2-40B4-BE49-F238E27FC236}">
+                <a16:creationId xmlns:a16="http://schemas.microsoft.com/office/drawing/2014/main" id="{36F92303-5903-4251-939F-EBD077D3068F}"/>
+              </a:ext>
+            </a:extLst>
+          </p:cNvPr>
+          <p:cNvCxnSpPr>
+            <a:cxnSpLocks/>
+          </p:cNvCxnSpPr>
+          <p:nvPr/>
+        </p:nvCxnSpPr>
+        <p:spPr>
+          <a:xfrm flipH="1" flipV="1">
+            <a:off x="10041119" y="3180508"/>
+            <a:ext cx="9040" cy="486984"/>
+          </a:xfrm>
+          <a:prstGeom prst="line">
+            <a:avLst/>
+          </a:prstGeom>
+        </p:spPr>
+        <p:style>
+          <a:lnRef idx="1">
+            <a:schemeClr val="accent1"/>
+          </a:lnRef>
+          <a:fillRef idx="0">
+            <a:schemeClr val="accent1"/>
+          </a:fillRef>
+          <a:effectRef idx="0">
+            <a:schemeClr val="accent1"/>
+          </a:effectRef>
+          <a:fontRef idx="minor">
+            <a:schemeClr val="tx1"/>
+          </a:fontRef>
+        </p:style>
+      </p:cxnSp>
+      <p:pic>
+        <p:nvPicPr>
+          <p:cNvPr id="33" name="Picture 4" descr="Ver a imagem de origem">
+            <a:extLst>
+              <a:ext uri="{FF2B5EF4-FFF2-40B4-BE49-F238E27FC236}">
+                <a16:creationId xmlns:a16="http://schemas.microsoft.com/office/drawing/2014/main" id="{9EB59C14-55AF-4032-8B29-FAE33FE17405}"/>
+              </a:ext>
+            </a:extLst>
+          </p:cNvPr>
+          <p:cNvPicPr>
+            <a:picLocks noChangeAspect="1" noChangeArrowheads="1"/>
+          </p:cNvPicPr>
+          <p:nvPr/>
+        </p:nvPicPr>
+        <p:blipFill>
+          <a:blip r:embed="rId10">
+            <a:extLst>
+              <a:ext uri="{28A0092B-C50C-407E-A947-70E740481C1C}">
+                <a14:useLocalDpi xmlns:a14="http://schemas.microsoft.com/office/drawing/2010/main" val="0"/>
+              </a:ext>
+            </a:extLst>
+          </a:blip>
+          <a:srcRect/>
+          <a:stretch>
+            <a:fillRect/>
+          </a:stretch>
+        </p:blipFill>
+        <p:spPr bwMode="auto">
+          <a:xfrm>
+            <a:off x="10317798" y="1138684"/>
+            <a:ext cx="1140967" cy="1196935"/>
+          </a:xfrm>
+          <a:prstGeom prst="rect">
+            <a:avLst/>
+          </a:prstGeom>
+          <a:noFill/>
+          <a:extLst>
+            <a:ext uri="{909E8E84-426E-40DD-AFC4-6F175D3DCCD1}">
+              <a14:hiddenFill xmlns:a14="http://schemas.microsoft.com/office/drawing/2010/main">
+                <a:solidFill>
+                  <a:srgbClr val="FFFFFF"/>
+                </a:solidFill>
+              </a14:hiddenFill>
+            </a:ext>
+          </a:extLst>
+        </p:spPr>
+      </p:pic>
+      <p:sp>
+        <p:nvSpPr>
+          <p:cNvPr id="34" name="CaixaDeTexto 33">
+            <a:extLst>
+              <a:ext uri="{FF2B5EF4-FFF2-40B4-BE49-F238E27FC236}">
+                <a16:creationId xmlns:a16="http://schemas.microsoft.com/office/drawing/2014/main" id="{973687FD-AB30-4EC3-BD09-E5F7CE80F460}"/>
+              </a:ext>
+            </a:extLst>
+          </p:cNvPr>
+          <p:cNvSpPr txBox="1"/>
+          <p:nvPr/>
+        </p:nvSpPr>
+        <p:spPr>
+          <a:xfrm>
+            <a:off x="6881014" y="530691"/>
+            <a:ext cx="1081386" cy="400110"/>
+          </a:xfrm>
+          <a:prstGeom prst="rect">
+            <a:avLst/>
+          </a:prstGeom>
+          <a:noFill/>
+        </p:spPr>
+        <p:txBody>
+          <a:bodyPr wrap="none" rtlCol="0">
+            <a:spAutoFit/>
+          </a:bodyPr>
+          <a:lstStyle/>
+          <a:p>
+            <a:r>
+              <a:rPr lang="pt-BR" sz="2000" b="1" dirty="0"/>
+              <a:t>Servidor</a:t>
+            </a:r>
+          </a:p>
+        </p:txBody>
+      </p:sp>
+      <p:sp>
+        <p:nvSpPr>
+          <p:cNvPr id="40" name="CaixaDeTexto 39">
+            <a:extLst>
+              <a:ext uri="{FF2B5EF4-FFF2-40B4-BE49-F238E27FC236}">
+                <a16:creationId xmlns:a16="http://schemas.microsoft.com/office/drawing/2014/main" id="{6EAA5033-D9A3-4174-9FAA-C0D3CA29BCE4}"/>
+              </a:ext>
+            </a:extLst>
+          </p:cNvPr>
+          <p:cNvSpPr txBox="1"/>
+          <p:nvPr/>
+        </p:nvSpPr>
+        <p:spPr>
+          <a:xfrm>
+            <a:off x="10066723" y="2288776"/>
+            <a:ext cx="1668727" cy="646331"/>
+          </a:xfrm>
+          <a:prstGeom prst="rect">
+            <a:avLst/>
+          </a:prstGeom>
+          <a:noFill/>
+        </p:spPr>
+        <p:txBody>
+          <a:bodyPr wrap="none" rtlCol="0">
+            <a:spAutoFit/>
+          </a:bodyPr>
+          <a:lstStyle/>
+          <a:p>
+            <a:r>
+              <a:rPr lang="pt-BR" dirty="0"/>
+              <a:t>Banco de dados</a:t>
+            </a:r>
+          </a:p>
+          <a:p>
+            <a:r>
+              <a:rPr lang="pt-BR" dirty="0"/>
+              <a:t>-SQL server</a:t>
+            </a:r>
+          </a:p>
+        </p:txBody>
+      </p:sp>
+      <p:pic>
+        <p:nvPicPr>
+          <p:cNvPr id="42" name="Imagem 41" descr="Logotipo&#10;&#10;Descrição gerada automaticamente">
+            <a:extLst>
+              <a:ext uri="{FF2B5EF4-FFF2-40B4-BE49-F238E27FC236}">
+                <a16:creationId xmlns:a16="http://schemas.microsoft.com/office/drawing/2014/main" id="{C2395DF0-5E92-4E8F-873A-634F4479AE0F}"/>
+              </a:ext>
+            </a:extLst>
+          </p:cNvPr>
+          <p:cNvPicPr>
+            <a:picLocks noChangeAspect="1"/>
+          </p:cNvPicPr>
+          <p:nvPr/>
+        </p:nvPicPr>
+        <p:blipFill>
+          <a:blip r:embed="rId11">
+            <a:extLst>
+              <a:ext uri="{28A0092B-C50C-407E-A947-70E740481C1C}">
+                <a14:useLocalDpi xmlns:a14="http://schemas.microsoft.com/office/drawing/2010/main" val="0"/>
+              </a:ext>
+            </a:extLst>
+          </a:blip>
+          <a:stretch>
+            <a:fillRect/>
+          </a:stretch>
+        </p:blipFill>
+        <p:spPr>
+          <a:xfrm>
+            <a:off x="329579" y="1274169"/>
+            <a:ext cx="1921417" cy="1045069"/>
+          </a:xfrm>
+          <a:prstGeom prst="rect">
+            <a:avLst/>
+          </a:prstGeom>
+        </p:spPr>
+      </p:pic>
+      <p:sp>
+        <p:nvSpPr>
+          <p:cNvPr id="43" name="CaixaDeTexto 42">
+            <a:extLst>
+              <a:ext uri="{FF2B5EF4-FFF2-40B4-BE49-F238E27FC236}">
+                <a16:creationId xmlns:a16="http://schemas.microsoft.com/office/drawing/2014/main" id="{A2D1EDCA-C026-4C1C-9CEA-91EF953745A8}"/>
+              </a:ext>
+            </a:extLst>
+          </p:cNvPr>
+          <p:cNvSpPr txBox="1"/>
+          <p:nvPr/>
+        </p:nvSpPr>
+        <p:spPr>
+          <a:xfrm>
+            <a:off x="942265" y="1120514"/>
+            <a:ext cx="522900" cy="369332"/>
+          </a:xfrm>
+          <a:prstGeom prst="rect">
+            <a:avLst/>
+          </a:prstGeom>
+          <a:noFill/>
+        </p:spPr>
+        <p:txBody>
+          <a:bodyPr wrap="none" rtlCol="0">
+            <a:spAutoFit/>
+          </a:bodyPr>
+          <a:lstStyle/>
+          <a:p>
+            <a:r>
+              <a:rPr lang="pt-BR" b="1" dirty="0"/>
+              <a:t>LLD</a:t>
+            </a:r>
+          </a:p>
+        </p:txBody>
+      </p:sp>
+      <p:sp>
+        <p:nvSpPr>
+          <p:cNvPr id="44" name="Retângulo: Cantos Arredondados 43">
+            <a:extLst>
+              <a:ext uri="{FF2B5EF4-FFF2-40B4-BE49-F238E27FC236}">
+                <a16:creationId xmlns:a16="http://schemas.microsoft.com/office/drawing/2014/main" id="{1211D498-FA94-4E35-9B5E-C7ED44E5B82B}"/>
+              </a:ext>
+            </a:extLst>
+          </p:cNvPr>
+          <p:cNvSpPr/>
+          <p:nvPr/>
+        </p:nvSpPr>
+        <p:spPr>
+          <a:xfrm>
+            <a:off x="329579" y="1087396"/>
+            <a:ext cx="1847032" cy="1248223"/>
+          </a:xfrm>
+          <a:prstGeom prst="roundRect">
+            <a:avLst/>
+          </a:prstGeom>
+          <a:noFill/>
+        </p:spPr>
+        <p:style>
+          <a:lnRef idx="2">
+            <a:schemeClr val="accent1">
+              <a:shade val="50000"/>
+            </a:schemeClr>
+          </a:lnRef>
+          <a:fillRef idx="1">
+            <a:schemeClr val="accent1"/>
+          </a:fillRef>
+          <a:effectRef idx="0">
+            <a:schemeClr val="accent1"/>
+          </a:effectRef>
+          <a:fontRef idx="minor">
+            <a:schemeClr val="lt1"/>
+          </a:fontRef>
+        </p:style>
+        <p:txBody>
+          <a:bodyPr rtlCol="0" anchor="ctr"/>
+          <a:lstStyle/>
+          <a:p>
+            <a:pPr algn="ctr"/>
+            <a:endParaRPr lang="pt-BR"/>
+          </a:p>
+        </p:txBody>
+      </p:sp>
+      <p:cxnSp>
+        <p:nvCxnSpPr>
+          <p:cNvPr id="46" name="Conector reto 45">
+            <a:extLst>
+              <a:ext uri="{FF2B5EF4-FFF2-40B4-BE49-F238E27FC236}">
+                <a16:creationId xmlns:a16="http://schemas.microsoft.com/office/drawing/2014/main" id="{20426480-CD4E-4BCE-BAA2-3836726B49AA}"/>
+              </a:ext>
+            </a:extLst>
+          </p:cNvPr>
+          <p:cNvCxnSpPr>
+            <a:cxnSpLocks/>
+          </p:cNvCxnSpPr>
+          <p:nvPr/>
+        </p:nvCxnSpPr>
+        <p:spPr>
+          <a:xfrm>
+            <a:off x="2147100" y="1906160"/>
+            <a:ext cx="740480" cy="0"/>
+          </a:xfrm>
+          <a:prstGeom prst="line">
+            <a:avLst/>
+          </a:prstGeom>
+        </p:spPr>
+        <p:style>
+          <a:lnRef idx="1">
+            <a:schemeClr val="accent1"/>
+          </a:lnRef>
+          <a:fillRef idx="0">
+            <a:schemeClr val="accent1"/>
+          </a:fillRef>
+          <a:effectRef idx="0">
+            <a:schemeClr val="accent1"/>
+          </a:effectRef>
+          <a:fontRef idx="minor">
+            <a:schemeClr val="tx1"/>
+          </a:fontRef>
+        </p:style>
+      </p:cxnSp>
+    </p:spTree>
+    <p:extLst>
+      <p:ext uri="{BB962C8B-B14F-4D97-AF65-F5344CB8AC3E}">
+        <p14:creationId xmlns:p14="http://schemas.microsoft.com/office/powerpoint/2010/main" val="1062914862"/>
       </p:ext>
     </p:extLst>
   </p:cSld>
@@ -5838,4 +8354,299 @@
     </a:ext>
   </a:extLst>
 </a:theme>
+</file>
+
+<file path=ppt/theme/theme2.xml><?xml version="1.0" encoding="utf-8"?>
+<a:theme xmlns:a="http://schemas.openxmlformats.org/drawingml/2006/main" name="Tema do Office">
+  <a:themeElements>
+    <a:clrScheme name="Office">
+      <a:dk1>
+        <a:sysClr val="windowText" lastClr="000000"/>
+      </a:dk1>
+      <a:lt1>
+        <a:sysClr val="window" lastClr="FFFFFF"/>
+      </a:lt1>
+      <a:dk2>
+        <a:srgbClr val="44546A"/>
+      </a:dk2>
+      <a:lt2>
+        <a:srgbClr val="E7E6E6"/>
+      </a:lt2>
+      <a:accent1>
+        <a:srgbClr val="4472C4"/>
+      </a:accent1>
+      <a:accent2>
+        <a:srgbClr val="ED7D31"/>
+      </a:accent2>
+      <a:accent3>
+        <a:srgbClr val="A5A5A5"/>
+      </a:accent3>
+      <a:accent4>
+        <a:srgbClr val="FFC000"/>
+      </a:accent4>
+      <a:accent5>
+        <a:srgbClr val="5B9BD5"/>
+      </a:accent5>
+      <a:accent6>
+        <a:srgbClr val="70AD47"/>
+      </a:accent6>
+      <a:hlink>
+        <a:srgbClr val="0563C1"/>
+      </a:hlink>
+      <a:folHlink>
+        <a:srgbClr val="954F72"/>
+      </a:folHlink>
+    </a:clrScheme>
+    <a:fontScheme name="Office">
+      <a:majorFont>
+        <a:latin typeface="Calibri Light" panose="020F0302020204030204"/>
+        <a:ea typeface=""/>
+        <a:cs typeface=""/>
+        <a:font script="Jpan" typeface="游ゴシック Light"/>
+        <a:font script="Hang" typeface="맑은 고딕"/>
+        <a:font script="Hans" typeface="等线 Light"/>
+        <a:font script="Hant" typeface="新細明體"/>
+        <a:font script="Arab" typeface="Times New Roman"/>
+        <a:font script="Hebr" typeface="Times New Roman"/>
+        <a:font script="Thai" typeface="Angsana New"/>
+        <a:font script="Ethi" typeface="Nyala"/>
+        <a:font script="Beng" typeface="Vrinda"/>
+        <a:font script="Gujr" typeface="Shruti"/>
+        <a:font script="Khmr" typeface="MoolBoran"/>
+        <a:font script="Knda" typeface="Tunga"/>
+        <a:font script="Guru" typeface="Raavi"/>
+        <a:font script="Cans" typeface="Euphemia"/>
+        <a:font script="Cher" typeface="Plantagenet Cherokee"/>
+        <a:font script="Yiii" typeface="Microsoft Yi Baiti"/>
+        <a:font script="Tibt" typeface="Microsoft Himalaya"/>
+        <a:font script="Thaa" typeface="MV Boli"/>
+        <a:font script="Deva" typeface="Mangal"/>
+        <a:font script="Telu" typeface="Gautami"/>
+        <a:font script="Taml" typeface="Latha"/>
+        <a:font script="Syrc" typeface="Estrangelo Edessa"/>
+        <a:font script="Orya" typeface="Kalinga"/>
+        <a:font script="Mlym" typeface="Kartika"/>
+        <a:font script="Laoo" typeface="DokChampa"/>
+        <a:font script="Sinh" typeface="Iskoola Pota"/>
+        <a:font script="Mong" typeface="Mongolian Baiti"/>
+        <a:font script="Viet" typeface="Times New Roman"/>
+        <a:font script="Uigh" typeface="Microsoft Uighur"/>
+        <a:font script="Geor" typeface="Sylfaen"/>
+        <a:font script="Armn" typeface="Arial"/>
+        <a:font script="Bugi" typeface="Leelawadee UI"/>
+        <a:font script="Bopo" typeface="Microsoft JhengHei"/>
+        <a:font script="Java" typeface="Javanese Text"/>
+        <a:font script="Lisu" typeface="Segoe UI"/>
+        <a:font script="Mymr" typeface="Myanmar Text"/>
+        <a:font script="Nkoo" typeface="Ebrima"/>
+        <a:font script="Olck" typeface="Nirmala UI"/>
+        <a:font script="Osma" typeface="Ebrima"/>
+        <a:font script="Phag" typeface="Phagspa"/>
+        <a:font script="Syrn" typeface="Estrangelo Edessa"/>
+        <a:font script="Syrj" typeface="Estrangelo Edessa"/>
+        <a:font script="Syre" typeface="Estrangelo Edessa"/>
+        <a:font script="Sora" typeface="Nirmala UI"/>
+        <a:font script="Tale" typeface="Microsoft Tai Le"/>
+        <a:font script="Talu" typeface="Microsoft New Tai Lue"/>
+        <a:font script="Tfng" typeface="Ebrima"/>
+      </a:majorFont>
+      <a:minorFont>
+        <a:latin typeface="Calibri" panose="020F0502020204030204"/>
+        <a:ea typeface=""/>
+        <a:cs typeface=""/>
+        <a:font script="Jpan" typeface="游ゴシック"/>
+        <a:font script="Hang" typeface="맑은 고딕"/>
+        <a:font script="Hans" typeface="等线"/>
+        <a:font script="Hant" typeface="新細明體"/>
+        <a:font script="Arab" typeface="Arial"/>
+        <a:font script="Hebr" typeface="Arial"/>
+        <a:font script="Thai" typeface="Cordia New"/>
+        <a:font script="Ethi" typeface="Nyala"/>
+        <a:font script="Beng" typeface="Vrinda"/>
+        <a:font script="Gujr" typeface="Shruti"/>
+        <a:font script="Khmr" typeface="DaunPenh"/>
+        <a:font script="Knda" typeface="Tunga"/>
+        <a:font script="Guru" typeface="Raavi"/>
+        <a:font script="Cans" typeface="Euphemia"/>
+        <a:font script="Cher" typeface="Plantagenet Cherokee"/>
+        <a:font script="Yiii" typeface="Microsoft Yi Baiti"/>
+        <a:font script="Tibt" typeface="Microsoft Himalaya"/>
+        <a:font script="Thaa" typeface="MV Boli"/>
+        <a:font script="Deva" typeface="Mangal"/>
+        <a:font script="Telu" typeface="Gautami"/>
+        <a:font script="Taml" typeface="Latha"/>
+        <a:font script="Syrc" typeface="Estrangelo Edessa"/>
+        <a:font script="Orya" typeface="Kalinga"/>
+        <a:font script="Mlym" typeface="Kartika"/>
+        <a:font script="Laoo" typeface="DokChampa"/>
+        <a:font script="Sinh" typeface="Iskoola Pota"/>
+        <a:font script="Mong" typeface="Mongolian Baiti"/>
+        <a:font script="Viet" typeface="Arial"/>
+        <a:font script="Uigh" typeface="Microsoft Uighur"/>
+        <a:font script="Geor" typeface="Sylfaen"/>
+        <a:font script="Armn" typeface="Arial"/>
+        <a:font script="Bugi" typeface="Leelawadee UI"/>
+        <a:font script="Bopo" typeface="Microsoft JhengHei"/>
+        <a:font script="Java" typeface="Javanese Text"/>
+        <a:font script="Lisu" typeface="Segoe UI"/>
+        <a:font script="Mymr" typeface="Myanmar Text"/>
+        <a:font script="Nkoo" typeface="Ebrima"/>
+        <a:font script="Olck" typeface="Nirmala UI"/>
+        <a:font script="Osma" typeface="Ebrima"/>
+        <a:font script="Phag" typeface="Phagspa"/>
+        <a:font script="Syrn" typeface="Estrangelo Edessa"/>
+        <a:font script="Syrj" typeface="Estrangelo Edessa"/>
+        <a:font script="Syre" typeface="Estrangelo Edessa"/>
+        <a:font script="Sora" typeface="Nirmala UI"/>
+        <a:font script="Tale" typeface="Microsoft Tai Le"/>
+        <a:font script="Talu" typeface="Microsoft New Tai Lue"/>
+        <a:font script="Tfng" typeface="Ebrima"/>
+      </a:minorFont>
+    </a:fontScheme>
+    <a:fmtScheme name="Office">
+      <a:fillStyleLst>
+        <a:solidFill>
+          <a:schemeClr val="phClr"/>
+        </a:solidFill>
+        <a:gradFill rotWithShape="1">
+          <a:gsLst>
+            <a:gs pos="0">
+              <a:schemeClr val="phClr">
+                <a:lumMod val="110000"/>
+                <a:satMod val="105000"/>
+                <a:tint val="67000"/>
+              </a:schemeClr>
+            </a:gs>
+            <a:gs pos="50000">
+              <a:schemeClr val="phClr">
+                <a:lumMod val="105000"/>
+                <a:satMod val="103000"/>
+                <a:tint val="73000"/>
+              </a:schemeClr>
+            </a:gs>
+            <a:gs pos="100000">
+              <a:schemeClr val="phClr">
+                <a:lumMod val="105000"/>
+                <a:satMod val="109000"/>
+                <a:tint val="81000"/>
+              </a:schemeClr>
+            </a:gs>
+          </a:gsLst>
+          <a:lin ang="5400000" scaled="0"/>
+        </a:gradFill>
+        <a:gradFill rotWithShape="1">
+          <a:gsLst>
+            <a:gs pos="0">
+              <a:schemeClr val="phClr">
+                <a:satMod val="103000"/>
+                <a:lumMod val="102000"/>
+                <a:tint val="94000"/>
+              </a:schemeClr>
+            </a:gs>
+            <a:gs pos="50000">
+              <a:schemeClr val="phClr">
+                <a:satMod val="110000"/>
+                <a:lumMod val="100000"/>
+                <a:shade val="100000"/>
+              </a:schemeClr>
+            </a:gs>
+            <a:gs pos="100000">
+              <a:schemeClr val="phClr">
+                <a:lumMod val="99000"/>
+                <a:satMod val="120000"/>
+                <a:shade val="78000"/>
+              </a:schemeClr>
+            </a:gs>
+          </a:gsLst>
+          <a:lin ang="5400000" scaled="0"/>
+        </a:gradFill>
+      </a:fillStyleLst>
+      <a:lnStyleLst>
+        <a:ln w="6350" cap="flat" cmpd="sng" algn="ctr">
+          <a:solidFill>
+            <a:schemeClr val="phClr"/>
+          </a:solidFill>
+          <a:prstDash val="solid"/>
+          <a:miter lim="800000"/>
+        </a:ln>
+        <a:ln w="12700" cap="flat" cmpd="sng" algn="ctr">
+          <a:solidFill>
+            <a:schemeClr val="phClr"/>
+          </a:solidFill>
+          <a:prstDash val="solid"/>
+          <a:miter lim="800000"/>
+        </a:ln>
+        <a:ln w="19050" cap="flat" cmpd="sng" algn="ctr">
+          <a:solidFill>
+            <a:schemeClr val="phClr"/>
+          </a:solidFill>
+          <a:prstDash val="solid"/>
+          <a:miter lim="800000"/>
+        </a:ln>
+      </a:lnStyleLst>
+      <a:effectStyleLst>
+        <a:effectStyle>
+          <a:effectLst/>
+        </a:effectStyle>
+        <a:effectStyle>
+          <a:effectLst/>
+        </a:effectStyle>
+        <a:effectStyle>
+          <a:effectLst>
+            <a:outerShdw blurRad="57150" dist="19050" dir="5400000" algn="ctr" rotWithShape="0">
+              <a:srgbClr val="000000">
+                <a:alpha val="63000"/>
+              </a:srgbClr>
+            </a:outerShdw>
+          </a:effectLst>
+        </a:effectStyle>
+      </a:effectStyleLst>
+      <a:bgFillStyleLst>
+        <a:solidFill>
+          <a:schemeClr val="phClr"/>
+        </a:solidFill>
+        <a:solidFill>
+          <a:schemeClr val="phClr">
+            <a:tint val="95000"/>
+            <a:satMod val="170000"/>
+          </a:schemeClr>
+        </a:solidFill>
+        <a:gradFill rotWithShape="1">
+          <a:gsLst>
+            <a:gs pos="0">
+              <a:schemeClr val="phClr">
+                <a:tint val="93000"/>
+                <a:satMod val="150000"/>
+                <a:shade val="98000"/>
+                <a:lumMod val="102000"/>
+              </a:schemeClr>
+            </a:gs>
+            <a:gs pos="50000">
+              <a:schemeClr val="phClr">
+                <a:tint val="98000"/>
+                <a:satMod val="130000"/>
+                <a:shade val="90000"/>
+                <a:lumMod val="103000"/>
+              </a:schemeClr>
+            </a:gs>
+            <a:gs pos="100000">
+              <a:schemeClr val="phClr">
+                <a:shade val="63000"/>
+                <a:satMod val="120000"/>
+              </a:schemeClr>
+            </a:gs>
+          </a:gsLst>
+          <a:lin ang="5400000" scaled="0"/>
+        </a:gradFill>
+      </a:bgFillStyleLst>
+    </a:fmtScheme>
+  </a:themeElements>
+  <a:objectDefaults/>
+  <a:extraClrSchemeLst/>
+  <a:extLst>
+    <a:ext uri="{05A4C25C-085E-4340-85A3-A5531E510DB2}">
+      <thm15:themeFamily xmlns:thm15="http://schemas.microsoft.com/office/thememl/2012/main" name="Office Theme" id="{62F939B6-93AF-4DB8-9C6B-D6C7DFDC589F}" vid="{4A3C46E8-61CC-4603-A589-7422A47A8E4A}"/>
+    </a:ext>
+  </a:extLst>
+</a:theme>
 </file>